--- a/20221020_KPS_송영호.pptx
+++ b/20221020_KPS_송영호.pptx
@@ -9,42 +9,40 @@
     <p:sldMasterId id="2147483772" r:id="rId5"/>
   </p:sldMasterIdLst>
   <p:notesMasterIdLst>
-    <p:notesMasterId r:id="rId36"/>
+    <p:notesMasterId r:id="rId34"/>
   </p:notesMasterIdLst>
   <p:handoutMasterIdLst>
-    <p:handoutMasterId r:id="rId37"/>
+    <p:handoutMasterId r:id="rId35"/>
   </p:handoutMasterIdLst>
   <p:sldIdLst>
     <p:sldId id="269" r:id="rId6"/>
     <p:sldId id="575" r:id="rId7"/>
-    <p:sldId id="523" r:id="rId8"/>
-    <p:sldId id="548" r:id="rId9"/>
-    <p:sldId id="542" r:id="rId10"/>
-    <p:sldId id="525" r:id="rId11"/>
-    <p:sldId id="526" r:id="rId12"/>
-    <p:sldId id="527" r:id="rId13"/>
-    <p:sldId id="550" r:id="rId14"/>
-    <p:sldId id="559" r:id="rId15"/>
-    <p:sldId id="561" r:id="rId16"/>
-    <p:sldId id="582" r:id="rId17"/>
-    <p:sldId id="557" r:id="rId18"/>
-    <p:sldId id="576" r:id="rId19"/>
-    <p:sldId id="577" r:id="rId20"/>
-    <p:sldId id="578" r:id="rId21"/>
-    <p:sldId id="546" r:id="rId22"/>
-    <p:sldId id="528" r:id="rId23"/>
-    <p:sldId id="571" r:id="rId24"/>
-    <p:sldId id="566" r:id="rId25"/>
-    <p:sldId id="562" r:id="rId26"/>
-    <p:sldId id="573" r:id="rId27"/>
-    <p:sldId id="535" r:id="rId28"/>
-    <p:sldId id="579" r:id="rId29"/>
-    <p:sldId id="536" r:id="rId30"/>
-    <p:sldId id="537" r:id="rId31"/>
-    <p:sldId id="580" r:id="rId32"/>
-    <p:sldId id="581" r:id="rId33"/>
-    <p:sldId id="540" r:id="rId34"/>
-    <p:sldId id="544" r:id="rId35"/>
+    <p:sldId id="548" r:id="rId8"/>
+    <p:sldId id="542" r:id="rId9"/>
+    <p:sldId id="525" r:id="rId10"/>
+    <p:sldId id="526" r:id="rId11"/>
+    <p:sldId id="527" r:id="rId12"/>
+    <p:sldId id="550" r:id="rId13"/>
+    <p:sldId id="559" r:id="rId14"/>
+    <p:sldId id="561" r:id="rId15"/>
+    <p:sldId id="582" r:id="rId16"/>
+    <p:sldId id="557" r:id="rId17"/>
+    <p:sldId id="576" r:id="rId18"/>
+    <p:sldId id="577" r:id="rId19"/>
+    <p:sldId id="578" r:id="rId20"/>
+    <p:sldId id="546" r:id="rId21"/>
+    <p:sldId id="528" r:id="rId22"/>
+    <p:sldId id="566" r:id="rId23"/>
+    <p:sldId id="535" r:id="rId24"/>
+    <p:sldId id="584" r:id="rId25"/>
+    <p:sldId id="579" r:id="rId26"/>
+    <p:sldId id="583" r:id="rId27"/>
+    <p:sldId id="536" r:id="rId28"/>
+    <p:sldId id="537" r:id="rId29"/>
+    <p:sldId id="580" r:id="rId30"/>
+    <p:sldId id="581" r:id="rId31"/>
+    <p:sldId id="540" r:id="rId32"/>
+    <p:sldId id="544" r:id="rId33"/>
   </p:sldIdLst>
   <p:sldSz cx="9906000" cy="6858000" type="A4"/>
   <p:notesSz cx="6735763" cy="9866313"/>
@@ -150,7 +148,6 @@
           <p14:sldIdLst>
             <p14:sldId id="269"/>
             <p14:sldId id="575"/>
-            <p14:sldId id="523"/>
             <p14:sldId id="548"/>
             <p14:sldId id="542"/>
             <p14:sldId id="525"/>
@@ -166,12 +163,11 @@
             <p14:sldId id="578"/>
             <p14:sldId id="546"/>
             <p14:sldId id="528"/>
-            <p14:sldId id="571"/>
             <p14:sldId id="566"/>
-            <p14:sldId id="562"/>
-            <p14:sldId id="573"/>
             <p14:sldId id="535"/>
+            <p14:sldId id="584"/>
             <p14:sldId id="579"/>
+            <p14:sldId id="583"/>
             <p14:sldId id="536"/>
             <p14:sldId id="537"/>
             <p14:sldId id="580"/>
@@ -345,7 +341,7 @@
           <a:p>
             <a:fld id="{46F42610-14FF-4B40-B4B6-786DE4FB8FEA}" type="datetime1">
               <a:rPr lang="ko-KR" altLang="en-US" smtClean="0"/>
-              <a:t>2022-10-17</a:t>
+              <a:t>2022-10-20</a:t>
             </a:fld>
             <a:endParaRPr lang="ko-KR" altLang="en-US"/>
           </a:p>
@@ -511,7 +507,7 @@
           <a:p>
             <a:fld id="{513A899E-F476-4791-9F16-0B14047B11F2}" type="datetime1">
               <a:rPr lang="ko-KR" altLang="en-US" smtClean="0"/>
-              <a:t>2022-10-17</a:t>
+              <a:t>2022-10-20</a:t>
             </a:fld>
             <a:endParaRPr lang="ko-KR" altLang="en-US"/>
           </a:p>
@@ -977,7 +973,7 @@
           <a:p>
             <a:fld id="{D5BB7A41-6D90-4371-844A-87EC379C3D06}" type="datetimeFigureOut">
               <a:rPr lang="ko-KR" altLang="en-US" smtClean="0"/>
-              <a:t>2022-10-17</a:t>
+              <a:t>2022-10-20</a:t>
             </a:fld>
             <a:endParaRPr lang="ko-KR" altLang="en-US"/>
           </a:p>
@@ -1325,7 +1321,7 @@
             <a:fld id="{1D8BD707-D9CF-40AE-B4C6-C98DA3205C09}" type="datetimeFigureOut">
               <a:rPr lang="en-US" smtClean="0"/>
               <a:pPr defTabSz="914400" latinLnBrk="0"/>
-              <a:t>10/17/2022</a:t>
+              <a:t>10/20/2022</a:t>
             </a:fld>
             <a:endParaRPr lang="en-US"/>
           </a:p>
@@ -1535,7 +1531,7 @@
             <a:fld id="{1D8BD707-D9CF-40AE-B4C6-C98DA3205C09}" type="datetimeFigureOut">
               <a:rPr lang="en-US" smtClean="0"/>
               <a:pPr defTabSz="914400" latinLnBrk="0"/>
-              <a:t>10/17/2022</a:t>
+              <a:t>10/20/2022</a:t>
             </a:fld>
             <a:endParaRPr lang="en-US"/>
           </a:p>
@@ -1793,7 +1789,7 @@
             <a:fld id="{1D8BD707-D9CF-40AE-B4C6-C98DA3205C09}" type="datetimeFigureOut">
               <a:rPr lang="en-US" smtClean="0"/>
               <a:pPr defTabSz="914400" latinLnBrk="0"/>
-              <a:t>10/17/2022</a:t>
+              <a:t>10/20/2022</a:t>
             </a:fld>
             <a:endParaRPr lang="en-US"/>
           </a:p>
@@ -2121,7 +2117,7 @@
             <a:fld id="{1D8BD707-D9CF-40AE-B4C6-C98DA3205C09}" type="datetimeFigureOut">
               <a:rPr lang="en-US" smtClean="0"/>
               <a:pPr defTabSz="914400" latinLnBrk="0"/>
-              <a:t>10/17/2022</a:t>
+              <a:t>10/20/2022</a:t>
             </a:fld>
             <a:endParaRPr lang="en-US"/>
           </a:p>
@@ -2597,7 +2593,7 @@
             <a:fld id="{1D8BD707-D9CF-40AE-B4C6-C98DA3205C09}" type="datetimeFigureOut">
               <a:rPr lang="en-US" smtClean="0"/>
               <a:pPr defTabSz="914400" latinLnBrk="0"/>
-              <a:t>10/17/2022</a:t>
+              <a:t>10/20/2022</a:t>
             </a:fld>
             <a:endParaRPr lang="en-US"/>
           </a:p>
@@ -2755,7 +2751,7 @@
             <a:fld id="{1D8BD707-D9CF-40AE-B4C6-C98DA3205C09}" type="datetimeFigureOut">
               <a:rPr lang="en-US" smtClean="0"/>
               <a:pPr defTabSz="914400" latinLnBrk="0"/>
-              <a:t>10/17/2022</a:t>
+              <a:t>10/20/2022</a:t>
             </a:fld>
             <a:endParaRPr lang="en-US"/>
           </a:p>
@@ -2855,7 +2851,7 @@
             <a:fld id="{1D8BD707-D9CF-40AE-B4C6-C98DA3205C09}" type="datetimeFigureOut">
               <a:rPr lang="en-US" smtClean="0"/>
               <a:pPr defTabSz="914400" latinLnBrk="0"/>
-              <a:t>10/17/2022</a:t>
+              <a:t>10/20/2022</a:t>
             </a:fld>
             <a:endParaRPr lang="en-US"/>
           </a:p>
@@ -3013,7 +3009,7 @@
           <a:p>
             <a:fld id="{D5BB7A41-6D90-4371-844A-87EC379C3D06}" type="datetimeFigureOut">
               <a:rPr lang="ko-KR" altLang="en-US" smtClean="0"/>
-              <a:t>2022-10-17</a:t>
+              <a:t>2022-10-20</a:t>
             </a:fld>
             <a:endParaRPr lang="ko-KR" altLang="en-US"/>
           </a:p>
@@ -3294,7 +3290,7 @@
             <a:fld id="{1D8BD707-D9CF-40AE-B4C6-C98DA3205C09}" type="datetimeFigureOut">
               <a:rPr lang="en-US" smtClean="0"/>
               <a:pPr defTabSz="914400" latinLnBrk="0"/>
-              <a:t>10/17/2022</a:t>
+              <a:t>10/20/2022</a:t>
             </a:fld>
             <a:endParaRPr lang="en-US"/>
           </a:p>
@@ -3609,7 +3605,7 @@
             <a:fld id="{1D8BD707-D9CF-40AE-B4C6-C98DA3205C09}" type="datetimeFigureOut">
               <a:rPr lang="en-US" smtClean="0"/>
               <a:pPr defTabSz="914400" latinLnBrk="0"/>
-              <a:t>10/17/2022</a:t>
+              <a:t>10/20/2022</a:t>
             </a:fld>
             <a:endParaRPr lang="en-US"/>
           </a:p>
@@ -3784,7 +3780,7 @@
             <a:fld id="{1D8BD707-D9CF-40AE-B4C6-C98DA3205C09}" type="datetimeFigureOut">
               <a:rPr lang="en-US" smtClean="0"/>
               <a:pPr defTabSz="914400" latinLnBrk="0"/>
-              <a:t>10/17/2022</a:t>
+              <a:t>10/20/2022</a:t>
             </a:fld>
             <a:endParaRPr lang="en-US"/>
           </a:p>
@@ -3969,7 +3965,7 @@
             <a:fld id="{1D8BD707-D9CF-40AE-B4C6-C98DA3205C09}" type="datetimeFigureOut">
               <a:rPr lang="en-US" smtClean="0"/>
               <a:pPr defTabSz="914400" latinLnBrk="0"/>
-              <a:t>10/17/2022</a:t>
+              <a:t>10/20/2022</a:t>
             </a:fld>
             <a:endParaRPr lang="en-US"/>
           </a:p>
@@ -4223,7 +4219,7 @@
             <a:fld id="{1D8BD707-D9CF-40AE-B4C6-C98DA3205C09}" type="datetimeFigureOut">
               <a:rPr lang="en-US" smtClean="0"/>
               <a:pPr defTabSz="914400" latinLnBrk="0"/>
-              <a:t>10/17/2022</a:t>
+              <a:t>10/20/2022</a:t>
             </a:fld>
             <a:endParaRPr lang="en-US"/>
           </a:p>
@@ -4433,7 +4429,7 @@
             <a:fld id="{1D8BD707-D9CF-40AE-B4C6-C98DA3205C09}" type="datetimeFigureOut">
               <a:rPr lang="en-US" smtClean="0"/>
               <a:pPr defTabSz="914400" latinLnBrk="0"/>
-              <a:t>10/17/2022</a:t>
+              <a:t>10/20/2022</a:t>
             </a:fld>
             <a:endParaRPr lang="en-US"/>
           </a:p>
@@ -4691,7 +4687,7 @@
             <a:fld id="{1D8BD707-D9CF-40AE-B4C6-C98DA3205C09}" type="datetimeFigureOut">
               <a:rPr lang="en-US" smtClean="0"/>
               <a:pPr defTabSz="914400" latinLnBrk="0"/>
-              <a:t>10/17/2022</a:t>
+              <a:t>10/20/2022</a:t>
             </a:fld>
             <a:endParaRPr lang="en-US"/>
           </a:p>
@@ -5019,7 +5015,7 @@
             <a:fld id="{1D8BD707-D9CF-40AE-B4C6-C98DA3205C09}" type="datetimeFigureOut">
               <a:rPr lang="en-US" smtClean="0"/>
               <a:pPr defTabSz="914400" latinLnBrk="0"/>
-              <a:t>10/17/2022</a:t>
+              <a:t>10/20/2022</a:t>
             </a:fld>
             <a:endParaRPr lang="en-US"/>
           </a:p>
@@ -5495,7 +5491,7 @@
             <a:fld id="{1D8BD707-D9CF-40AE-B4C6-C98DA3205C09}" type="datetimeFigureOut">
               <a:rPr lang="en-US" smtClean="0"/>
               <a:pPr defTabSz="914400" latinLnBrk="0"/>
-              <a:t>10/17/2022</a:t>
+              <a:t>10/20/2022</a:t>
             </a:fld>
             <a:endParaRPr lang="en-US"/>
           </a:p>
@@ -5653,7 +5649,7 @@
             <a:fld id="{1D8BD707-D9CF-40AE-B4C6-C98DA3205C09}" type="datetimeFigureOut">
               <a:rPr lang="en-US" smtClean="0"/>
               <a:pPr defTabSz="914400" latinLnBrk="0"/>
-              <a:t>10/17/2022</a:t>
+              <a:t>10/20/2022</a:t>
             </a:fld>
             <a:endParaRPr lang="en-US"/>
           </a:p>
@@ -5906,7 +5902,7 @@
           <a:p>
             <a:fld id="{D5BB7A41-6D90-4371-844A-87EC379C3D06}" type="datetimeFigureOut">
               <a:rPr lang="ko-KR" altLang="en-US" smtClean="0"/>
-              <a:t>2022-10-17</a:t>
+              <a:t>2022-10-20</a:t>
             </a:fld>
             <a:endParaRPr lang="ko-KR" altLang="en-US"/>
           </a:p>
@@ -6003,7 +5999,7 @@
             <a:fld id="{1D8BD707-D9CF-40AE-B4C6-C98DA3205C09}" type="datetimeFigureOut">
               <a:rPr lang="en-US" smtClean="0"/>
               <a:pPr defTabSz="914400" latinLnBrk="0"/>
-              <a:t>10/17/2022</a:t>
+              <a:t>10/20/2022</a:t>
             </a:fld>
             <a:endParaRPr lang="en-US"/>
           </a:p>
@@ -6287,7 +6283,7 @@
             <a:fld id="{1D8BD707-D9CF-40AE-B4C6-C98DA3205C09}" type="datetimeFigureOut">
               <a:rPr lang="en-US" smtClean="0"/>
               <a:pPr defTabSz="914400" latinLnBrk="0"/>
-              <a:t>10/17/2022</a:t>
+              <a:t>10/20/2022</a:t>
             </a:fld>
             <a:endParaRPr lang="en-US"/>
           </a:p>
@@ -6602,7 +6598,7 @@
             <a:fld id="{1D8BD707-D9CF-40AE-B4C6-C98DA3205C09}" type="datetimeFigureOut">
               <a:rPr lang="en-US" smtClean="0"/>
               <a:pPr defTabSz="914400" latinLnBrk="0"/>
-              <a:t>10/17/2022</a:t>
+              <a:t>10/20/2022</a:t>
             </a:fld>
             <a:endParaRPr lang="en-US"/>
           </a:p>
@@ -6777,7 +6773,7 @@
             <a:fld id="{1D8BD707-D9CF-40AE-B4C6-C98DA3205C09}" type="datetimeFigureOut">
               <a:rPr lang="en-US" smtClean="0"/>
               <a:pPr defTabSz="914400" latinLnBrk="0"/>
-              <a:t>10/17/2022</a:t>
+              <a:t>10/20/2022</a:t>
             </a:fld>
             <a:endParaRPr lang="en-US"/>
           </a:p>
@@ -6962,7 +6958,7 @@
             <a:fld id="{1D8BD707-D9CF-40AE-B4C6-C98DA3205C09}" type="datetimeFigureOut">
               <a:rPr lang="en-US" smtClean="0"/>
               <a:pPr defTabSz="914400" latinLnBrk="0"/>
-              <a:t>10/17/2022</a:t>
+              <a:t>10/20/2022</a:t>
             </a:fld>
             <a:endParaRPr lang="en-US"/>
           </a:p>
@@ -7216,7 +7212,7 @@
             <a:fld id="{1D8BD707-D9CF-40AE-B4C6-C98DA3205C09}" type="datetimeFigureOut">
               <a:rPr lang="en-US" smtClean="0"/>
               <a:pPr defTabSz="914400" latinLnBrk="0"/>
-              <a:t>10/17/2022</a:t>
+              <a:t>10/20/2022</a:t>
             </a:fld>
             <a:endParaRPr lang="en-US"/>
           </a:p>
@@ -7426,7 +7422,7 @@
             <a:fld id="{1D8BD707-D9CF-40AE-B4C6-C98DA3205C09}" type="datetimeFigureOut">
               <a:rPr lang="en-US" smtClean="0"/>
               <a:pPr defTabSz="914400" latinLnBrk="0"/>
-              <a:t>10/17/2022</a:t>
+              <a:t>10/20/2022</a:t>
             </a:fld>
             <a:endParaRPr lang="en-US"/>
           </a:p>
@@ -7684,7 +7680,7 @@
             <a:fld id="{1D8BD707-D9CF-40AE-B4C6-C98DA3205C09}" type="datetimeFigureOut">
               <a:rPr lang="en-US" smtClean="0"/>
               <a:pPr defTabSz="914400" latinLnBrk="0"/>
-              <a:t>10/17/2022</a:t>
+              <a:t>10/20/2022</a:t>
             </a:fld>
             <a:endParaRPr lang="en-US"/>
           </a:p>
@@ -8012,7 +8008,7 @@
             <a:fld id="{1D8BD707-D9CF-40AE-B4C6-C98DA3205C09}" type="datetimeFigureOut">
               <a:rPr lang="en-US" smtClean="0"/>
               <a:pPr defTabSz="914400" latinLnBrk="0"/>
-              <a:t>10/17/2022</a:t>
+              <a:t>10/20/2022</a:t>
             </a:fld>
             <a:endParaRPr lang="en-US"/>
           </a:p>
@@ -8488,7 +8484,7 @@
             <a:fld id="{1D8BD707-D9CF-40AE-B4C6-C98DA3205C09}" type="datetimeFigureOut">
               <a:rPr lang="en-US" smtClean="0"/>
               <a:pPr defTabSz="914400" latinLnBrk="0"/>
-              <a:t>10/17/2022</a:t>
+              <a:t>10/20/2022</a:t>
             </a:fld>
             <a:endParaRPr lang="en-US"/>
           </a:p>
@@ -8772,7 +8768,7 @@
           <a:p>
             <a:fld id="{D5BB7A41-6D90-4371-844A-87EC379C3D06}" type="datetimeFigureOut">
               <a:rPr lang="ko-KR" altLang="en-US" smtClean="0"/>
-              <a:t>2022-10-17</a:t>
+              <a:t>2022-10-20</a:t>
             </a:fld>
             <a:endParaRPr lang="ko-KR" altLang="en-US"/>
           </a:p>
@@ -8892,7 +8888,7 @@
             <a:fld id="{1D8BD707-D9CF-40AE-B4C6-C98DA3205C09}" type="datetimeFigureOut">
               <a:rPr lang="en-US" smtClean="0"/>
               <a:pPr defTabSz="914400" latinLnBrk="0"/>
-              <a:t>10/17/2022</a:t>
+              <a:t>10/20/2022</a:t>
             </a:fld>
             <a:endParaRPr lang="en-US"/>
           </a:p>
@@ -8992,7 +8988,7 @@
             <a:fld id="{1D8BD707-D9CF-40AE-B4C6-C98DA3205C09}" type="datetimeFigureOut">
               <a:rPr lang="en-US" smtClean="0"/>
               <a:pPr defTabSz="914400" latinLnBrk="0"/>
-              <a:t>10/17/2022</a:t>
+              <a:t>10/20/2022</a:t>
             </a:fld>
             <a:endParaRPr lang="en-US"/>
           </a:p>
@@ -9276,7 +9272,7 @@
             <a:fld id="{1D8BD707-D9CF-40AE-B4C6-C98DA3205C09}" type="datetimeFigureOut">
               <a:rPr lang="en-US" smtClean="0"/>
               <a:pPr defTabSz="914400" latinLnBrk="0"/>
-              <a:t>10/17/2022</a:t>
+              <a:t>10/20/2022</a:t>
             </a:fld>
             <a:endParaRPr lang="en-US"/>
           </a:p>
@@ -9591,7 +9587,7 @@
             <a:fld id="{1D8BD707-D9CF-40AE-B4C6-C98DA3205C09}" type="datetimeFigureOut">
               <a:rPr lang="en-US" smtClean="0"/>
               <a:pPr defTabSz="914400" latinLnBrk="0"/>
-              <a:t>10/17/2022</a:t>
+              <a:t>10/20/2022</a:t>
             </a:fld>
             <a:endParaRPr lang="en-US"/>
           </a:p>
@@ -9766,7 +9762,7 @@
             <a:fld id="{1D8BD707-D9CF-40AE-B4C6-C98DA3205C09}" type="datetimeFigureOut">
               <a:rPr lang="en-US" smtClean="0"/>
               <a:pPr defTabSz="914400" latinLnBrk="0"/>
-              <a:t>10/17/2022</a:t>
+              <a:t>10/20/2022</a:t>
             </a:fld>
             <a:endParaRPr lang="en-US"/>
           </a:p>
@@ -9951,7 +9947,7 @@
             <a:fld id="{1D8BD707-D9CF-40AE-B4C6-C98DA3205C09}" type="datetimeFigureOut">
               <a:rPr lang="en-US" smtClean="0"/>
               <a:pPr defTabSz="914400" latinLnBrk="0"/>
-              <a:t>10/17/2022</a:t>
+              <a:t>10/20/2022</a:t>
             </a:fld>
             <a:endParaRPr lang="en-US"/>
           </a:p>
@@ -10205,7 +10201,7 @@
             <a:fld id="{1D8BD707-D9CF-40AE-B4C6-C98DA3205C09}" type="datetimeFigureOut">
               <a:rPr lang="en-US" smtClean="0"/>
               <a:pPr defTabSz="914400" latinLnBrk="0"/>
-              <a:t>10/17/2022</a:t>
+              <a:t>10/20/2022</a:t>
             </a:fld>
             <a:endParaRPr lang="en-US"/>
           </a:p>
@@ -10415,7 +10411,7 @@
             <a:fld id="{1D8BD707-D9CF-40AE-B4C6-C98DA3205C09}" type="datetimeFigureOut">
               <a:rPr lang="en-US" smtClean="0"/>
               <a:pPr defTabSz="914400" latinLnBrk="0"/>
-              <a:t>10/17/2022</a:t>
+              <a:t>10/20/2022</a:t>
             </a:fld>
             <a:endParaRPr lang="en-US"/>
           </a:p>
@@ -10673,7 +10669,7 @@
             <a:fld id="{1D8BD707-D9CF-40AE-B4C6-C98DA3205C09}" type="datetimeFigureOut">
               <a:rPr lang="en-US" smtClean="0"/>
               <a:pPr defTabSz="914400" latinLnBrk="0"/>
-              <a:t>10/17/2022</a:t>
+              <a:t>10/20/2022</a:t>
             </a:fld>
             <a:endParaRPr lang="en-US"/>
           </a:p>
@@ -11001,7 +10997,7 @@
             <a:fld id="{1D8BD707-D9CF-40AE-B4C6-C98DA3205C09}" type="datetimeFigureOut">
               <a:rPr lang="en-US" smtClean="0"/>
               <a:pPr defTabSz="914400" latinLnBrk="0"/>
-              <a:t>10/17/2022</a:t>
+              <a:t>10/20/2022</a:t>
             </a:fld>
             <a:endParaRPr lang="en-US"/>
           </a:p>
@@ -11386,7 +11382,7 @@
           <a:p>
             <a:fld id="{D5BB7A41-6D90-4371-844A-87EC379C3D06}" type="datetimeFigureOut">
               <a:rPr lang="ko-KR" altLang="en-US" smtClean="0"/>
-              <a:t>2022-10-17</a:t>
+              <a:t>2022-10-20</a:t>
             </a:fld>
             <a:endParaRPr lang="ko-KR" altLang="en-US"/>
           </a:p>
@@ -11859,7 +11855,7 @@
             <a:fld id="{1D8BD707-D9CF-40AE-B4C6-C98DA3205C09}" type="datetimeFigureOut">
               <a:rPr lang="en-US" smtClean="0"/>
               <a:pPr defTabSz="914400" latinLnBrk="0"/>
-              <a:t>10/17/2022</a:t>
+              <a:t>10/20/2022</a:t>
             </a:fld>
             <a:endParaRPr lang="en-US"/>
           </a:p>
@@ -12017,7 +12013,7 @@
             <a:fld id="{1D8BD707-D9CF-40AE-B4C6-C98DA3205C09}" type="datetimeFigureOut">
               <a:rPr lang="en-US" smtClean="0"/>
               <a:pPr defTabSz="914400" latinLnBrk="0"/>
-              <a:t>10/17/2022</a:t>
+              <a:t>10/20/2022</a:t>
             </a:fld>
             <a:endParaRPr lang="en-US"/>
           </a:p>
@@ -12117,7 +12113,7 @@
             <a:fld id="{1D8BD707-D9CF-40AE-B4C6-C98DA3205C09}" type="datetimeFigureOut">
               <a:rPr lang="en-US" smtClean="0"/>
               <a:pPr defTabSz="914400" latinLnBrk="0"/>
-              <a:t>10/17/2022</a:t>
+              <a:t>10/20/2022</a:t>
             </a:fld>
             <a:endParaRPr lang="en-US"/>
           </a:p>
@@ -12401,7 +12397,7 @@
             <a:fld id="{1D8BD707-D9CF-40AE-B4C6-C98DA3205C09}" type="datetimeFigureOut">
               <a:rPr lang="en-US" smtClean="0"/>
               <a:pPr defTabSz="914400" latinLnBrk="0"/>
-              <a:t>10/17/2022</a:t>
+              <a:t>10/20/2022</a:t>
             </a:fld>
             <a:endParaRPr lang="en-US"/>
           </a:p>
@@ -12716,7 +12712,7 @@
             <a:fld id="{1D8BD707-D9CF-40AE-B4C6-C98DA3205C09}" type="datetimeFigureOut">
               <a:rPr lang="en-US" smtClean="0"/>
               <a:pPr defTabSz="914400" latinLnBrk="0"/>
-              <a:t>10/17/2022</a:t>
+              <a:t>10/20/2022</a:t>
             </a:fld>
             <a:endParaRPr lang="en-US"/>
           </a:p>
@@ -12891,7 +12887,7 @@
             <a:fld id="{1D8BD707-D9CF-40AE-B4C6-C98DA3205C09}" type="datetimeFigureOut">
               <a:rPr lang="en-US" smtClean="0"/>
               <a:pPr defTabSz="914400" latinLnBrk="0"/>
-              <a:t>10/17/2022</a:t>
+              <a:t>10/20/2022</a:t>
             </a:fld>
             <a:endParaRPr lang="en-US"/>
           </a:p>
@@ -13076,7 +13072,7 @@
             <a:fld id="{1D8BD707-D9CF-40AE-B4C6-C98DA3205C09}" type="datetimeFigureOut">
               <a:rPr lang="en-US" smtClean="0"/>
               <a:pPr defTabSz="914400" latinLnBrk="0"/>
-              <a:t>10/17/2022</a:t>
+              <a:t>10/20/2022</a:t>
             </a:fld>
             <a:endParaRPr lang="en-US"/>
           </a:p>
@@ -13205,7 +13201,7 @@
           <a:p>
             <a:fld id="{D5BB7A41-6D90-4371-844A-87EC379C3D06}" type="datetimeFigureOut">
               <a:rPr lang="ko-KR" altLang="en-US" smtClean="0"/>
-              <a:t>2022-10-17</a:t>
+              <a:t>2022-10-20</a:t>
             </a:fld>
             <a:endParaRPr lang="ko-KR" altLang="en-US"/>
           </a:p>
@@ -13300,7 +13296,7 @@
           <a:p>
             <a:fld id="{D5BB7A41-6D90-4371-844A-87EC379C3D06}" type="datetimeFigureOut">
               <a:rPr lang="ko-KR" altLang="en-US" smtClean="0"/>
-              <a:t>2022-10-17</a:t>
+              <a:t>2022-10-20</a:t>
             </a:fld>
             <a:endParaRPr lang="ko-KR" altLang="en-US"/>
           </a:p>
@@ -13586,7 +13582,7 @@
           <a:p>
             <a:fld id="{D5BB7A41-6D90-4371-844A-87EC379C3D06}" type="datetimeFigureOut">
               <a:rPr lang="ko-KR" altLang="en-US" smtClean="0"/>
-              <a:t>2022-10-17</a:t>
+              <a:t>2022-10-20</a:t>
             </a:fld>
             <a:endParaRPr lang="ko-KR" altLang="en-US"/>
           </a:p>
@@ -13734,7 +13730,7 @@
           <a:p>
             <a:fld id="{D5BB7A41-6D90-4371-844A-87EC379C3D06}" type="datetimeFigureOut">
               <a:rPr lang="ko-KR" altLang="en-US" smtClean="0"/>
-              <a:t>2022-10-17</a:t>
+              <a:t>2022-10-20</a:t>
             </a:fld>
             <a:endParaRPr lang="ko-KR" altLang="en-US"/>
           </a:p>
@@ -14569,7 +14565,7 @@
             <a:fld id="{1D8BD707-D9CF-40AE-B4C6-C98DA3205C09}" type="datetimeFigureOut">
               <a:rPr lang="en-US" smtClean="0"/>
               <a:pPr defTabSz="914400" latinLnBrk="0"/>
-              <a:t>10/17/2022</a:t>
+              <a:t>10/20/2022</a:t>
             </a:fld>
             <a:endParaRPr lang="en-US"/>
           </a:p>
@@ -15259,7 +15255,7 @@
             <a:fld id="{1D8BD707-D9CF-40AE-B4C6-C98DA3205C09}" type="datetimeFigureOut">
               <a:rPr lang="en-US" smtClean="0"/>
               <a:pPr defTabSz="914400" latinLnBrk="0"/>
-              <a:t>10/17/2022</a:t>
+              <a:t>10/20/2022</a:t>
             </a:fld>
             <a:endParaRPr lang="en-US"/>
           </a:p>
@@ -15949,7 +15945,7 @@
             <a:fld id="{1D8BD707-D9CF-40AE-B4C6-C98DA3205C09}" type="datetimeFigureOut">
               <a:rPr lang="en-US" smtClean="0"/>
               <a:pPr defTabSz="914400" latinLnBrk="0"/>
-              <a:t>10/17/2022</a:t>
+              <a:t>10/20/2022</a:t>
             </a:fld>
             <a:endParaRPr lang="en-US"/>
           </a:p>
@@ -16639,7 +16635,7 @@
             <a:fld id="{1D8BD707-D9CF-40AE-B4C6-C98DA3205C09}" type="datetimeFigureOut">
               <a:rPr lang="en-US" smtClean="0"/>
               <a:pPr defTabSz="914400" latinLnBrk="0"/>
-              <a:t>10/17/2022</a:t>
+              <a:t>10/20/2022</a:t>
             </a:fld>
             <a:endParaRPr lang="en-US"/>
           </a:p>
@@ -17336,7 +17332,7 @@
             <a:pPr lvl="1"/>
             <a:r>
               <a:rPr lang="en-US" altLang="ko-KR" sz="1800" dirty="0" smtClean="0"/>
-              <a:t>KPS 2022 Fall meeting 2022.10.20., </a:t>
+              <a:t>KPS Fall meeting 2022.10.20., </a:t>
             </a:r>
             <a:r>
               <a:rPr lang="ko-KR" altLang="en-US" sz="1800" dirty="0" smtClean="0"/>
@@ -17367,228 +17363,6 @@
 </file>
 
 <file path=ppt/slides/slide10.xml><?xml version="1.0" encoding="utf-8"?>
-<p:sld xmlns:a="http://schemas.openxmlformats.org/drawingml/2006/main" xmlns:r="http://schemas.openxmlformats.org/officeDocument/2006/relationships" xmlns:p="http://schemas.openxmlformats.org/presentationml/2006/main">
-  <p:cSld>
-    <p:spTree>
-      <p:nvGrpSpPr>
-        <p:cNvPr id="1" name=""/>
-        <p:cNvGrpSpPr/>
-        <p:nvPr/>
-      </p:nvGrpSpPr>
-      <p:grpSpPr>
-        <a:xfrm>
-          <a:off x="0" y="0"/>
-          <a:ext cx="0" cy="0"/>
-          <a:chOff x="0" y="0"/>
-          <a:chExt cx="0" cy="0"/>
-        </a:xfrm>
-      </p:grpSpPr>
-      <p:sp>
-        <p:nvSpPr>
-          <p:cNvPr id="2" name="제목 1"/>
-          <p:cNvSpPr>
-            <a:spLocks noGrp="1"/>
-          </p:cNvSpPr>
-          <p:nvPr>
-            <p:ph type="title"/>
-          </p:nvPr>
-        </p:nvSpPr>
-        <p:spPr/>
-        <p:txBody>
-          <a:bodyPr/>
-          <a:lstStyle/>
-          <a:p>
-            <a:r>
-              <a:rPr lang="en-US" altLang="ko-KR" dirty="0" smtClean="0"/>
-              <a:t>Auxiliary Field Monte Carlo </a:t>
-            </a:r>
-            <a:endParaRPr lang="ko-KR" altLang="en-US" dirty="0"/>
-          </a:p>
-        </p:txBody>
-      </p:sp>
-      <p:pic>
-        <p:nvPicPr>
-          <p:cNvPr id="17410" name="Picture 2"/>
-          <p:cNvPicPr>
-            <a:picLocks noChangeAspect="1" noChangeArrowheads="1"/>
-          </p:cNvPicPr>
-          <p:nvPr/>
-        </p:nvPicPr>
-        <p:blipFill>
-          <a:blip r:embed="rId2">
-            <a:extLst>
-              <a:ext uri="{28A0092B-C50C-407E-A947-70E740481C1C}">
-                <a14:useLocalDpi xmlns:a14="http://schemas.microsoft.com/office/drawing/2010/main" val="0"/>
-              </a:ext>
-            </a:extLst>
-          </a:blip>
-          <a:srcRect/>
-          <a:stretch>
-            <a:fillRect/>
-          </a:stretch>
-        </p:blipFill>
-        <p:spPr bwMode="auto">
-          <a:xfrm>
-            <a:off x="2580056" y="1704976"/>
-            <a:ext cx="4114800" cy="1402773"/>
-          </a:xfrm>
-          <a:prstGeom prst="rect">
-            <a:avLst/>
-          </a:prstGeom>
-          <a:noFill/>
-          <a:ln>
-            <a:noFill/>
-          </a:ln>
-          <a:extLst>
-            <a:ext uri="{909E8E84-426E-40DD-AFC4-6F175D3DCCD1}">
-              <a14:hiddenFill xmlns:a14="http://schemas.microsoft.com/office/drawing/2010/main">
-                <a:solidFill>
-                  <a:schemeClr val="accent1"/>
-                </a:solidFill>
-              </a14:hiddenFill>
-            </a:ext>
-            <a:ext uri="{91240B29-F687-4F45-9708-019B960494DF}">
-              <a14:hiddenLine xmlns:a14="http://schemas.microsoft.com/office/drawing/2010/main" w="9525">
-                <a:solidFill>
-                  <a:schemeClr val="tx1"/>
-                </a:solidFill>
-                <a:miter lim="800000"/>
-                <a:headEnd/>
-                <a:tailEnd/>
-              </a14:hiddenLine>
-            </a:ext>
-          </a:extLst>
-        </p:spPr>
-      </p:pic>
-      <p:pic>
-        <p:nvPicPr>
-          <p:cNvPr id="17411" name="Picture 3"/>
-          <p:cNvPicPr>
-            <a:picLocks noChangeAspect="1" noChangeArrowheads="1"/>
-          </p:cNvPicPr>
-          <p:nvPr/>
-        </p:nvPicPr>
-        <p:blipFill>
-          <a:blip r:embed="rId3">
-            <a:extLst>
-              <a:ext uri="{28A0092B-C50C-407E-A947-70E740481C1C}">
-                <a14:useLocalDpi xmlns:a14="http://schemas.microsoft.com/office/drawing/2010/main" val="0"/>
-              </a:ext>
-            </a:extLst>
-          </a:blip>
-          <a:srcRect/>
-          <a:stretch>
-            <a:fillRect/>
-          </a:stretch>
-        </p:blipFill>
-        <p:spPr bwMode="auto">
-          <a:xfrm>
-            <a:off x="5128603" y="2945824"/>
-            <a:ext cx="4335094" cy="3533774"/>
-          </a:xfrm>
-          <a:prstGeom prst="rect">
-            <a:avLst/>
-          </a:prstGeom>
-          <a:noFill/>
-          <a:ln>
-            <a:noFill/>
-          </a:ln>
-          <a:extLst>
-            <a:ext uri="{909E8E84-426E-40DD-AFC4-6F175D3DCCD1}">
-              <a14:hiddenFill xmlns:a14="http://schemas.microsoft.com/office/drawing/2010/main">
-                <a:solidFill>
-                  <a:schemeClr val="accent1"/>
-                </a:solidFill>
-              </a14:hiddenFill>
-            </a:ext>
-            <a:ext uri="{91240B29-F687-4F45-9708-019B960494DF}">
-              <a14:hiddenLine xmlns:a14="http://schemas.microsoft.com/office/drawing/2010/main" w="9525">
-                <a:solidFill>
-                  <a:schemeClr val="tx1"/>
-                </a:solidFill>
-                <a:miter lim="800000"/>
-                <a:headEnd/>
-                <a:tailEnd/>
-              </a14:hiddenLine>
-            </a:ext>
-          </a:extLst>
-        </p:spPr>
-      </p:pic>
-      <p:pic>
-        <p:nvPicPr>
-          <p:cNvPr id="6" name="Picture 2"/>
-          <p:cNvPicPr>
-            <a:picLocks noChangeAspect="1" noChangeArrowheads="1"/>
-          </p:cNvPicPr>
-          <p:nvPr/>
-        </p:nvPicPr>
-        <p:blipFill>
-          <a:blip r:embed="rId4">
-            <a:extLst>
-              <a:ext uri="{28A0092B-C50C-407E-A947-70E740481C1C}">
-                <a14:useLocalDpi xmlns:a14="http://schemas.microsoft.com/office/drawing/2010/main" val="0"/>
-              </a:ext>
-            </a:extLst>
-          </a:blip>
-          <a:srcRect/>
-          <a:stretch>
-            <a:fillRect/>
-          </a:stretch>
-        </p:blipFill>
-        <p:spPr bwMode="auto">
-          <a:xfrm>
-            <a:off x="914400" y="3107748"/>
-            <a:ext cx="4083862" cy="3352800"/>
-          </a:xfrm>
-          <a:prstGeom prst="rect">
-            <a:avLst/>
-          </a:prstGeom>
-          <a:noFill/>
-          <a:ln>
-            <a:noFill/>
-          </a:ln>
-          <a:extLst>
-            <a:ext uri="{909E8E84-426E-40DD-AFC4-6F175D3DCCD1}">
-              <a14:hiddenFill xmlns:a14="http://schemas.microsoft.com/office/drawing/2010/main">
-                <a:solidFill>
-                  <a:schemeClr val="accent1"/>
-                </a:solidFill>
-              </a14:hiddenFill>
-            </a:ext>
-            <a:ext uri="{91240B29-F687-4F45-9708-019B960494DF}">
-              <a14:hiddenLine xmlns:a14="http://schemas.microsoft.com/office/drawing/2010/main" w="9525">
-                <a:solidFill>
-                  <a:schemeClr val="tx1"/>
-                </a:solidFill>
-                <a:miter lim="800000"/>
-                <a:headEnd/>
-                <a:tailEnd/>
-              </a14:hiddenLine>
-            </a:ext>
-          </a:extLst>
-        </p:spPr>
-      </p:pic>
-    </p:spTree>
-    <p:extLst>
-      <p:ext uri="{BB962C8B-B14F-4D97-AF65-F5344CB8AC3E}">
-        <p14:creationId xmlns:p14="http://schemas.microsoft.com/office/powerpoint/2010/main" val="3359985493"/>
-      </p:ext>
-    </p:extLst>
-  </p:cSld>
-  <p:clrMapOvr>
-    <a:masterClrMapping/>
-  </p:clrMapOvr>
-  <p:timing>
-    <p:tnLst>
-      <p:par>
-        <p:cTn id="1" dur="indefinite" restart="never" nodeType="tmRoot"/>
-      </p:par>
-    </p:tnLst>
-  </p:timing>
-</p:sld>
-</file>
-
-<file path=ppt/slides/slide11.xml><?xml version="1.0" encoding="utf-8"?>
 <p:sld xmlns:a="http://schemas.openxmlformats.org/drawingml/2006/main" xmlns:r="http://schemas.openxmlformats.org/officeDocument/2006/relationships" xmlns:p="http://schemas.openxmlformats.org/presentationml/2006/main">
   <p:cSld>
     <p:spTree>
@@ -17717,7 +17491,7 @@
 </p:sld>
 </file>
 
-<file path=ppt/slides/slide12.xml><?xml version="1.0" encoding="utf-8"?>
+<file path=ppt/slides/slide11.xml><?xml version="1.0" encoding="utf-8"?>
 <p:sld xmlns:a="http://schemas.openxmlformats.org/drawingml/2006/main" xmlns:r="http://schemas.openxmlformats.org/officeDocument/2006/relationships" xmlns:p="http://schemas.openxmlformats.org/presentationml/2006/main">
   <p:cSld>
     <p:spTree>
@@ -17878,7 +17652,7 @@
 </p:sld>
 </file>
 
-<file path=ppt/slides/slide13.xml><?xml version="1.0" encoding="utf-8"?>
+<file path=ppt/slides/slide12.xml><?xml version="1.0" encoding="utf-8"?>
 <p:sld xmlns:a="http://schemas.openxmlformats.org/drawingml/2006/main" xmlns:r="http://schemas.openxmlformats.org/officeDocument/2006/relationships" xmlns:p="http://schemas.openxmlformats.org/presentationml/2006/main">
   <p:cSld>
     <p:spTree>
@@ -18080,7 +17854,7 @@
 </p:sld>
 </file>
 
-<file path=ppt/slides/slide14.xml><?xml version="1.0" encoding="utf-8"?>
+<file path=ppt/slides/slide13.xml><?xml version="1.0" encoding="utf-8"?>
 <p:sld xmlns:a="http://schemas.openxmlformats.org/drawingml/2006/main" xmlns:r="http://schemas.openxmlformats.org/officeDocument/2006/relationships" xmlns:p="http://schemas.openxmlformats.org/presentationml/2006/main">
   <p:cSld>
     <p:spTree>
@@ -18304,7 +18078,7 @@
             </a:pPr>
             <a:r>
               <a:rPr lang="en-US" altLang="ko-KR" sz="1600" dirty="0" smtClean="0"/>
-              <a:t> neutron matter </a:t>
+              <a:t>neutron matter </a:t>
             </a:r>
           </a:p>
           <a:p>
@@ -18339,7 +18113,7 @@
 </p:sld>
 </file>
 
-<file path=ppt/slides/slide15.xml><?xml version="1.0" encoding="utf-8"?>
+<file path=ppt/slides/slide14.xml><?xml version="1.0" encoding="utf-8"?>
 <p:sld xmlns:a="http://schemas.openxmlformats.org/drawingml/2006/main" xmlns:r="http://schemas.openxmlformats.org/officeDocument/2006/relationships" xmlns:p="http://schemas.openxmlformats.org/presentationml/2006/main">
   <p:cSld>
     <p:spTree>
@@ -18460,7 +18234,7 @@
 </p:sld>
 </file>
 
-<file path=ppt/slides/slide16.xml><?xml version="1.0" encoding="utf-8"?>
+<file path=ppt/slides/slide15.xml><?xml version="1.0" encoding="utf-8"?>
 <p:sld xmlns:a="http://schemas.openxmlformats.org/drawingml/2006/main" xmlns:r="http://schemas.openxmlformats.org/officeDocument/2006/relationships" xmlns:p="http://schemas.openxmlformats.org/presentationml/2006/main">
   <p:cSld>
     <p:spTree>
@@ -18581,7 +18355,7 @@
 </p:sld>
 </file>
 
-<file path=ppt/slides/slide17.xml><?xml version="1.0" encoding="utf-8"?>
+<file path=ppt/slides/slide16.xml><?xml version="1.0" encoding="utf-8"?>
 <p:sld xmlns:a="http://schemas.openxmlformats.org/drawingml/2006/main" xmlns:r="http://schemas.openxmlformats.org/officeDocument/2006/relationships" xmlns:p="http://schemas.openxmlformats.org/presentationml/2006/main">
   <p:cSld>
     <p:spTree>
@@ -18791,7 +18565,7 @@
 </p:sld>
 </file>
 
-<file path=ppt/slides/slide18.xml><?xml version="1.0" encoding="utf-8"?>
+<file path=ppt/slides/slide17.xml><?xml version="1.0" encoding="utf-8"?>
 <p:sld xmlns:a="http://schemas.openxmlformats.org/drawingml/2006/main" xmlns:r="http://schemas.openxmlformats.org/officeDocument/2006/relationships" xmlns:p="http://schemas.openxmlformats.org/presentationml/2006/main">
   <p:cSld>
     <p:spTree>
@@ -18858,7 +18632,11 @@
               <a:buChar char="•"/>
             </a:pPr>
             <a:r>
-              <a:rPr lang="en-US" altLang="ko-KR" dirty="0" smtClean="0"/>
+              <a:rPr lang="en-US" altLang="ko-KR" dirty="0" smtClean="0">
+                <a:solidFill>
+                  <a:srgbClr val="FF0000"/>
+                </a:solidFill>
+              </a:rPr>
               <a:t>Sign problem</a:t>
             </a:r>
           </a:p>
@@ -18905,7 +18683,15 @@
             </a:pPr>
             <a:r>
               <a:rPr lang="en-US" altLang="ko-KR" dirty="0" smtClean="0"/>
-              <a:t>One pion exchange and higher order chiral interaction</a:t>
+              <a:t>One pion exchange and </a:t>
+            </a:r>
+            <a:r>
+              <a:rPr lang="en-US" altLang="ko-KR" dirty="0" smtClean="0">
+                <a:solidFill>
+                  <a:srgbClr val="FF0000"/>
+                </a:solidFill>
+              </a:rPr>
+              <a:t>higher order chiral interaction</a:t>
             </a:r>
           </a:p>
           <a:p>
@@ -18925,7 +18711,19 @@
             </a:pPr>
             <a:r>
               <a:rPr lang="en-US" altLang="ko-KR" dirty="0" smtClean="0"/>
-              <a:t>Needs a remedy to extend to neutron rich isotopes.</a:t>
+              <a:t>Needs a remedy to extend to </a:t>
+            </a:r>
+            <a:r>
+              <a:rPr lang="en-US" altLang="ko-KR" dirty="0" smtClean="0">
+                <a:solidFill>
+                  <a:srgbClr val="FF0000"/>
+                </a:solidFill>
+              </a:rPr>
+              <a:t>neutron rich isotopes</a:t>
+            </a:r>
+            <a:r>
+              <a:rPr lang="en-US" altLang="ko-KR" dirty="0" smtClean="0"/>
+              <a:t>.</a:t>
             </a:r>
           </a:p>
           <a:p>
@@ -19011,6 +18809,288 @@
 </p:sld>
 </file>
 
+<file path=ppt/slides/slide18.xml><?xml version="1.0" encoding="utf-8"?>
+<p:sld xmlns:a="http://schemas.openxmlformats.org/drawingml/2006/main" xmlns:r="http://schemas.openxmlformats.org/officeDocument/2006/relationships" xmlns:p="http://schemas.openxmlformats.org/presentationml/2006/main">
+  <p:cSld>
+    <p:spTree>
+      <p:nvGrpSpPr>
+        <p:cNvPr id="1" name=""/>
+        <p:cNvGrpSpPr/>
+        <p:nvPr/>
+      </p:nvGrpSpPr>
+      <p:grpSpPr>
+        <a:xfrm>
+          <a:off x="0" y="0"/>
+          <a:ext cx="0" cy="0"/>
+          <a:chOff x="0" y="0"/>
+          <a:chExt cx="0" cy="0"/>
+        </a:xfrm>
+      </p:grpSpPr>
+      <p:sp>
+        <p:nvSpPr>
+          <p:cNvPr id="2" name="제목 1"/>
+          <p:cNvSpPr>
+            <a:spLocks noGrp="1"/>
+          </p:cNvSpPr>
+          <p:nvPr>
+            <p:ph type="title"/>
+          </p:nvPr>
+        </p:nvSpPr>
+        <p:spPr/>
+        <p:txBody>
+          <a:bodyPr/>
+          <a:lstStyle/>
+          <a:p>
+            <a:r>
+              <a:rPr lang="en-US" altLang="ko-KR" dirty="0" smtClean="0"/>
+              <a:t>Wave function matching</a:t>
+            </a:r>
+            <a:endParaRPr lang="ko-KR" altLang="en-US" dirty="0"/>
+          </a:p>
+        </p:txBody>
+      </p:sp>
+      <p:pic>
+        <p:nvPicPr>
+          <p:cNvPr id="4" name="그림 3"/>
+          <p:cNvPicPr>
+            <a:picLocks noChangeAspect="1"/>
+          </p:cNvPicPr>
+          <p:nvPr/>
+        </p:nvPicPr>
+        <p:blipFill>
+          <a:blip r:embed="rId2"/>
+          <a:stretch>
+            <a:fillRect/>
+          </a:stretch>
+        </p:blipFill>
+        <p:spPr>
+          <a:xfrm>
+            <a:off x="307975" y="1438275"/>
+            <a:ext cx="7112874" cy="4870450"/>
+          </a:xfrm>
+          <a:prstGeom prst="rect">
+            <a:avLst/>
+          </a:prstGeom>
+        </p:spPr>
+      </p:pic>
+      <p:sp>
+        <p:nvSpPr>
+          <p:cNvPr id="5" name="TextBox 4"/>
+          <p:cNvSpPr txBox="1"/>
+          <p:nvPr/>
+        </p:nvSpPr>
+        <p:spPr>
+          <a:xfrm>
+            <a:off x="997219" y="4913507"/>
+            <a:ext cx="1811714" cy="672492"/>
+          </a:xfrm>
+          <a:prstGeom prst="rect">
+            <a:avLst/>
+          </a:prstGeom>
+          <a:noFill/>
+        </p:spPr>
+        <p:txBody>
+          <a:bodyPr wrap="none" rtlCol="0">
+            <a:spAutoFit/>
+          </a:bodyPr>
+          <a:lstStyle/>
+          <a:p>
+            <a:r>
+              <a:rPr lang="en-US" altLang="ko-KR" dirty="0" smtClean="0"/>
+              <a:t>U is only active</a:t>
+            </a:r>
+          </a:p>
+          <a:p>
+            <a:r>
+              <a:rPr lang="en-US" altLang="ko-KR" dirty="0" smtClean="0"/>
+              <a:t>At r &lt; R</a:t>
+            </a:r>
+          </a:p>
+        </p:txBody>
+      </p:sp>
+      <p:pic>
+        <p:nvPicPr>
+          <p:cNvPr id="6" name="그림 5"/>
+          <p:cNvPicPr>
+            <a:picLocks noChangeAspect="1"/>
+          </p:cNvPicPr>
+          <p:nvPr/>
+        </p:nvPicPr>
+        <p:blipFill>
+          <a:blip r:embed="rId3"/>
+          <a:stretch>
+            <a:fillRect/>
+          </a:stretch>
+        </p:blipFill>
+        <p:spPr>
+          <a:xfrm>
+            <a:off x="3283795" y="3945551"/>
+            <a:ext cx="3697298" cy="470678"/>
+          </a:xfrm>
+          <a:prstGeom prst="rect">
+            <a:avLst/>
+          </a:prstGeom>
+        </p:spPr>
+      </p:pic>
+      <p:pic>
+        <p:nvPicPr>
+          <p:cNvPr id="7" name="그림 6"/>
+          <p:cNvPicPr>
+            <a:picLocks noChangeAspect="1"/>
+          </p:cNvPicPr>
+          <p:nvPr/>
+        </p:nvPicPr>
+        <p:blipFill>
+          <a:blip r:embed="rId4"/>
+          <a:stretch>
+            <a:fillRect/>
+          </a:stretch>
+        </p:blipFill>
+        <p:spPr>
+          <a:xfrm>
+            <a:off x="4129968" y="4454309"/>
+            <a:ext cx="2004951" cy="459198"/>
+          </a:xfrm>
+          <a:prstGeom prst="rect">
+            <a:avLst/>
+          </a:prstGeom>
+        </p:spPr>
+      </p:pic>
+      <p:sp>
+        <p:nvSpPr>
+          <p:cNvPr id="8" name="TextBox 7"/>
+          <p:cNvSpPr txBox="1"/>
+          <p:nvPr/>
+        </p:nvSpPr>
+        <p:spPr>
+          <a:xfrm>
+            <a:off x="7420849" y="1524000"/>
+            <a:ext cx="2078904" cy="962571"/>
+          </a:xfrm>
+          <a:prstGeom prst="rect">
+            <a:avLst/>
+          </a:prstGeom>
+          <a:noFill/>
+        </p:spPr>
+        <p:txBody>
+          <a:bodyPr wrap="square" rtlCol="0">
+            <a:spAutoFit/>
+          </a:bodyPr>
+          <a:lstStyle/>
+          <a:p>
+            <a:r>
+              <a:rPr lang="en-US" altLang="ko-KR" dirty="0" smtClean="0"/>
+              <a:t>H and H’ are fully equivalent to two-body observables</a:t>
+            </a:r>
+            <a:endParaRPr lang="ko-KR" altLang="en-US" dirty="0"/>
+          </a:p>
+        </p:txBody>
+      </p:sp>
+      <p:sp>
+        <p:nvSpPr>
+          <p:cNvPr id="9" name="TextBox 8"/>
+          <p:cNvSpPr txBox="1"/>
+          <p:nvPr/>
+        </p:nvSpPr>
+        <p:spPr>
+          <a:xfrm>
+            <a:off x="7420849" y="2693770"/>
+            <a:ext cx="2197223" cy="2122889"/>
+          </a:xfrm>
+          <a:prstGeom prst="rect">
+            <a:avLst/>
+          </a:prstGeom>
+          <a:noFill/>
+        </p:spPr>
+        <p:txBody>
+          <a:bodyPr wrap="square" rtlCol="0">
+            <a:spAutoFit/>
+          </a:bodyPr>
+          <a:lstStyle/>
+          <a:p>
+            <a:r>
+              <a:rPr lang="en-US" altLang="ko-KR" dirty="0" smtClean="0"/>
+              <a:t>The</a:t>
+            </a:r>
+            <a:r>
+              <a:rPr lang="en-US" altLang="ko-KR" dirty="0" smtClean="0">
+                <a:solidFill>
+                  <a:srgbClr val="FF0000"/>
+                </a:solidFill>
+              </a:rPr>
+              <a:t> goal </a:t>
+            </a:r>
+            <a:r>
+              <a:rPr lang="en-US" altLang="ko-KR" dirty="0" smtClean="0"/>
+              <a:t>is to make the </a:t>
+            </a:r>
+            <a:r>
+              <a:rPr lang="en-US" altLang="ko-KR" dirty="0" smtClean="0">
+                <a:solidFill>
+                  <a:srgbClr val="FF0000"/>
+                </a:solidFill>
+              </a:rPr>
+              <a:t>perturbation expansion</a:t>
+            </a:r>
+            <a:r>
+              <a:rPr lang="en-US" altLang="ko-KR" dirty="0" smtClean="0"/>
+              <a:t> from “simple” wave function gives </a:t>
+            </a:r>
+            <a:r>
+              <a:rPr lang="en-US" altLang="ko-KR" dirty="0" smtClean="0">
+                <a:solidFill>
+                  <a:srgbClr val="FF0000"/>
+                </a:solidFill>
+              </a:rPr>
+              <a:t>a good convergence</a:t>
+            </a:r>
+          </a:p>
+        </p:txBody>
+      </p:sp>
+      <p:pic>
+        <p:nvPicPr>
+          <p:cNvPr id="10" name="그림 9"/>
+          <p:cNvPicPr>
+            <a:picLocks noChangeAspect="1"/>
+          </p:cNvPicPr>
+          <p:nvPr/>
+        </p:nvPicPr>
+        <p:blipFill>
+          <a:blip r:embed="rId5"/>
+          <a:stretch>
+            <a:fillRect/>
+          </a:stretch>
+        </p:blipFill>
+        <p:spPr>
+          <a:xfrm>
+            <a:off x="7376341" y="4913507"/>
+            <a:ext cx="2167921" cy="1105441"/>
+          </a:xfrm>
+          <a:prstGeom prst="rect">
+            <a:avLst/>
+          </a:prstGeom>
+        </p:spPr>
+      </p:pic>
+    </p:spTree>
+    <p:extLst>
+      <p:ext uri="{BB962C8B-B14F-4D97-AF65-F5344CB8AC3E}">
+        <p14:creationId xmlns:p14="http://schemas.microsoft.com/office/powerpoint/2010/main" val="651524898"/>
+      </p:ext>
+    </p:extLst>
+  </p:cSld>
+  <p:clrMapOvr>
+    <a:masterClrMapping/>
+  </p:clrMapOvr>
+  <p:timing>
+    <p:tnLst>
+      <p:par>
+        <p:cTn id="1" dur="indefinite" restart="never" nodeType="tmRoot"/>
+      </p:par>
+    </p:tnLst>
+  </p:timing>
+</p:sld>
+</file>
+
 <file path=ppt/slides/slide19.xml><?xml version="1.0" encoding="utf-8"?>
 <p:sld xmlns:a="http://schemas.openxmlformats.org/drawingml/2006/main" xmlns:r="http://schemas.openxmlformats.org/officeDocument/2006/relationships" xmlns:p="http://schemas.openxmlformats.org/presentationml/2006/main">
   <p:cSld>
@@ -19045,120 +19125,15 @@
           <a:p>
             <a:r>
               <a:rPr lang="en-US" altLang="ko-KR" dirty="0" smtClean="0"/>
-              <a:t>Wave Function Matching Hamiltonian</a:t>
+              <a:t>NN phase shifts from WFM</a:t>
             </a:r>
             <a:endParaRPr lang="ko-KR" altLang="en-US" dirty="0"/>
-          </a:p>
-        </p:txBody>
-      </p:sp>
-      <p:sp>
-        <p:nvSpPr>
-          <p:cNvPr id="3" name="TextBox 2"/>
-          <p:cNvSpPr txBox="1"/>
-          <p:nvPr/>
-        </p:nvSpPr>
-        <p:spPr>
-          <a:xfrm>
-            <a:off x="846499" y="1610376"/>
-            <a:ext cx="8139164" cy="2122889"/>
-          </a:xfrm>
-          <a:prstGeom prst="rect">
-            <a:avLst/>
-          </a:prstGeom>
-          <a:noFill/>
-        </p:spPr>
-        <p:txBody>
-          <a:bodyPr wrap="square" rtlCol="0">
-            <a:spAutoFit/>
-          </a:bodyPr>
-          <a:lstStyle/>
-          <a:p>
-            <a:pPr marL="342900" indent="-342900">
-              <a:buFont typeface="Arial" panose="020B0604020202020204" pitchFamily="34" charset="0"/>
-              <a:buChar char="•"/>
-            </a:pPr>
-            <a:r>
-              <a:rPr lang="en-US" altLang="ko-KR" dirty="0" smtClean="0"/>
-              <a:t>Wave function matching by Unitary transformation</a:t>
-            </a:r>
-          </a:p>
-          <a:p>
-            <a:pPr marL="821819" lvl="1" indent="-342900">
-              <a:buFont typeface="Arial" panose="020B0604020202020204" pitchFamily="34" charset="0"/>
-              <a:buChar char="•"/>
-            </a:pPr>
-            <a:r>
-              <a:rPr lang="en-US" altLang="ko-KR" dirty="0" smtClean="0"/>
-              <a:t>Original Hamiltonian has a strong repulsion at short distance</a:t>
-            </a:r>
-          </a:p>
-          <a:p>
-            <a:pPr marL="821819" lvl="1" indent="-342900">
-              <a:buFont typeface="Arial" panose="020B0604020202020204" pitchFamily="34" charset="0"/>
-              <a:buChar char="•"/>
-            </a:pPr>
-            <a:r>
-              <a:rPr lang="en-US" altLang="ko-KR" dirty="0" smtClean="0">
-                <a:sym typeface="Wingdings" panose="05000000000000000000" pitchFamily="2" charset="2"/>
-              </a:rPr>
-              <a:t> origin of the difficulty of non-perturbative calculation. </a:t>
-            </a:r>
-            <a:endParaRPr lang="en-US" altLang="ko-KR" dirty="0" smtClean="0"/>
-          </a:p>
-          <a:p>
-            <a:pPr marL="821819" lvl="1" indent="-342900">
-              <a:buFont typeface="Arial" panose="020B0604020202020204" pitchFamily="34" charset="0"/>
-              <a:buChar char="•"/>
-            </a:pPr>
-            <a:r>
-              <a:rPr lang="en-US" altLang="ko-KR" dirty="0" smtClean="0"/>
-              <a:t>new Hamiltonian </a:t>
-            </a:r>
-          </a:p>
-          <a:p>
-            <a:pPr marL="1300738" lvl="2" indent="-342900">
-              <a:buFont typeface="Arial" panose="020B0604020202020204" pitchFamily="34" charset="0"/>
-              <a:buChar char="•"/>
-            </a:pPr>
-            <a:r>
-              <a:rPr lang="en-US" altLang="ko-KR" dirty="0" smtClean="0"/>
-              <a:t>such that the eigenstate wave function becomes </a:t>
-            </a:r>
-          </a:p>
-          <a:p>
-            <a:pPr marL="1300738" lvl="2" indent="-342900">
-              <a:buFont typeface="Arial" panose="020B0604020202020204" pitchFamily="34" charset="0"/>
-              <a:buChar char="•"/>
-            </a:pPr>
-            <a:r>
-              <a:rPr lang="en-US" altLang="ko-KR" dirty="0"/>
-              <a:t>S</a:t>
-            </a:r>
-            <a:r>
-              <a:rPr lang="en-US" altLang="ko-KR" dirty="0" smtClean="0"/>
-              <a:t>ame as “original” w.f. at long distance</a:t>
-            </a:r>
-            <a:endParaRPr lang="en-US" altLang="ko-KR" dirty="0" smtClean="0">
-              <a:sym typeface="Wingdings" panose="05000000000000000000" pitchFamily="2" charset="2"/>
-            </a:endParaRPr>
-          </a:p>
-          <a:p>
-            <a:pPr marL="1300738" lvl="2" indent="-342900">
-              <a:buFont typeface="Arial" panose="020B0604020202020204" pitchFamily="34" charset="0"/>
-              <a:buChar char="•"/>
-            </a:pPr>
-            <a:r>
-              <a:rPr lang="en-US" altLang="ko-KR" dirty="0" smtClean="0">
-                <a:sym typeface="Wingdings" panose="05000000000000000000" pitchFamily="2" charset="2"/>
-              </a:rPr>
-              <a:t>Same as “soft” w.f. at short distance</a:t>
-            </a:r>
           </a:p>
         </p:txBody>
       </p:sp>
       <p:pic>
         <p:nvPicPr>
-          <p:cNvPr id="4" name="그림 3"/>
+          <p:cNvPr id="3" name="그림 2"/>
           <p:cNvPicPr>
             <a:picLocks noChangeAspect="1"/>
           </p:cNvPicPr>
@@ -19172,48 +19147,24 @@
         </p:blipFill>
         <p:spPr>
           <a:xfrm>
-            <a:off x="883494" y="3852609"/>
-            <a:ext cx="5687219" cy="724001"/>
+            <a:off x="417460" y="1785693"/>
+            <a:ext cx="6633971" cy="4241157"/>
           </a:xfrm>
           <a:prstGeom prst="rect">
             <a:avLst/>
           </a:prstGeom>
         </p:spPr>
       </p:pic>
-      <p:pic>
-        <p:nvPicPr>
-          <p:cNvPr id="8" name="그림 7"/>
-          <p:cNvPicPr>
-            <a:picLocks noChangeAspect="1"/>
-          </p:cNvPicPr>
+      <p:sp>
+        <p:nvSpPr>
+          <p:cNvPr id="4" name="TextBox 3"/>
+          <p:cNvSpPr txBox="1"/>
           <p:nvPr/>
-        </p:nvPicPr>
-        <p:blipFill>
-          <a:blip r:embed="rId3"/>
-          <a:stretch>
-            <a:fillRect/>
-          </a:stretch>
-        </p:blipFill>
+        </p:nvSpPr>
         <p:spPr>
           <a:xfrm>
-            <a:off x="6752187" y="3819641"/>
-            <a:ext cx="2953162" cy="676369"/>
-          </a:xfrm>
-          <a:prstGeom prst="rect">
-            <a:avLst/>
-          </a:prstGeom>
-        </p:spPr>
-      </p:pic>
-      <p:sp>
-        <p:nvSpPr>
-          <p:cNvPr id="5" name="TextBox 4"/>
-          <p:cNvSpPr txBox="1"/>
-          <p:nvPr/>
-        </p:nvSpPr>
-        <p:spPr>
-          <a:xfrm>
-            <a:off x="1126836" y="4830615"/>
-            <a:ext cx="7047346" cy="672492"/>
+            <a:off x="7323992" y="2022231"/>
+            <a:ext cx="2224454" cy="2412968"/>
           </a:xfrm>
           <a:prstGeom prst="rect">
             <a:avLst/>
@@ -19228,15 +19179,25 @@
           <a:p>
             <a:r>
               <a:rPr lang="en-US" altLang="ko-KR" dirty="0" smtClean="0"/>
-              <a:t>The goal is to make the perturbation expansion with “soft” wave function gives a good convergence</a:t>
-            </a:r>
+              <a:t>Original Hamiltonian is fitted to phase shifts.</a:t>
+            </a:r>
+          </a:p>
+          <a:p>
+            <a:endParaRPr lang="en-US" altLang="ko-KR" dirty="0"/>
+          </a:p>
+          <a:p>
+            <a:r>
+              <a:rPr lang="en-US" altLang="ko-KR" dirty="0" smtClean="0"/>
+              <a:t>H’ is equivalent to original Hamiltonian.</a:t>
+            </a:r>
+            <a:endParaRPr lang="ko-KR" altLang="en-US" dirty="0"/>
           </a:p>
         </p:txBody>
       </p:sp>
     </p:spTree>
     <p:extLst>
       <p:ext uri="{BB962C8B-B14F-4D97-AF65-F5344CB8AC3E}">
-        <p14:creationId xmlns:p14="http://schemas.microsoft.com/office/powerpoint/2010/main" val="745611694"/>
+        <p14:creationId xmlns:p14="http://schemas.microsoft.com/office/powerpoint/2010/main" val="2077646196"/>
       </p:ext>
     </p:extLst>
   </p:cSld>
@@ -19737,46 +19698,22 @@
           <a:p>
             <a:r>
               <a:rPr lang="en-US" altLang="ko-KR" dirty="0" smtClean="0"/>
-              <a:t>Wave function matching</a:t>
+              <a:t>Deuteron</a:t>
             </a:r>
             <a:endParaRPr lang="ko-KR" altLang="en-US" dirty="0"/>
           </a:p>
         </p:txBody>
       </p:sp>
-      <p:pic>
-        <p:nvPicPr>
-          <p:cNvPr id="4" name="그림 3"/>
-          <p:cNvPicPr>
-            <a:picLocks noChangeAspect="1"/>
-          </p:cNvPicPr>
+      <p:sp>
+        <p:nvSpPr>
+          <p:cNvPr id="4" name="TextBox 3"/>
+          <p:cNvSpPr txBox="1"/>
           <p:nvPr/>
-        </p:nvPicPr>
-        <p:blipFill>
-          <a:blip r:embed="rId2"/>
-          <a:stretch>
-            <a:fillRect/>
-          </a:stretch>
-        </p:blipFill>
+        </p:nvSpPr>
         <p:spPr>
           <a:xfrm>
-            <a:off x="307975" y="1438275"/>
-            <a:ext cx="7112874" cy="4870450"/>
-          </a:xfrm>
-          <a:prstGeom prst="rect">
-            <a:avLst/>
-          </a:prstGeom>
-        </p:spPr>
-      </p:pic>
-      <p:sp>
-        <p:nvSpPr>
-          <p:cNvPr id="5" name="TextBox 4"/>
-          <p:cNvSpPr txBox="1"/>
-          <p:nvPr/>
-        </p:nvSpPr>
-        <p:spPr>
-          <a:xfrm>
-            <a:off x="7598986" y="3144997"/>
-            <a:ext cx="1811714" cy="1542730"/>
+            <a:off x="696787" y="1694416"/>
+            <a:ext cx="8366826" cy="3573286"/>
           </a:xfrm>
           <a:prstGeom prst="rect">
             <a:avLst/>
@@ -19784,44 +19721,185 @@
           <a:noFill/>
         </p:spPr>
         <p:txBody>
-          <a:bodyPr wrap="none" rtlCol="0">
+          <a:bodyPr wrap="square" rtlCol="0">
             <a:spAutoFit/>
           </a:bodyPr>
           <a:lstStyle/>
           <a:p>
+            <a:pPr marL="342900" indent="-342900">
+              <a:buFont typeface="Arial" panose="020B0604020202020204" pitchFamily="34" charset="0"/>
+              <a:buChar char="•"/>
+            </a:pPr>
             <a:r>
               <a:rPr lang="en-US" altLang="ko-KR" dirty="0" smtClean="0"/>
-              <a:t>U is only active</a:t>
-            </a:r>
-          </a:p>
-          <a:p>
+              <a:t>Original and transformed Hamiltonian gives correct deuteron binding energy for non-perturbative calculation.</a:t>
+            </a:r>
+          </a:p>
+          <a:p>
+            <a:pPr marL="342900" indent="-342900">
+              <a:buFont typeface="Arial" panose="020B0604020202020204" pitchFamily="34" charset="0"/>
+              <a:buChar char="•"/>
+            </a:pPr>
+            <a:endParaRPr lang="en-US" altLang="ko-KR" dirty="0" smtClean="0"/>
+          </a:p>
+          <a:p>
+            <a:pPr marL="342900" indent="-342900">
+              <a:buFont typeface="Arial" panose="020B0604020202020204" pitchFamily="34" charset="0"/>
+              <a:buChar char="•"/>
+            </a:pPr>
             <a:r>
               <a:rPr lang="en-US" altLang="ko-KR" dirty="0" smtClean="0"/>
-              <a:t>At r &lt; R</a:t>
-            </a:r>
-          </a:p>
-          <a:p>
-            <a:endParaRPr lang="en-US" altLang="ko-KR" dirty="0" smtClean="0"/>
-          </a:p>
-          <a:p>
+              <a:t>H_s is chosen as a leading order of H</a:t>
+            </a:r>
+          </a:p>
+          <a:p>
+            <a:pPr marL="342900" indent="-342900">
+              <a:buFont typeface="Arial" panose="020B0604020202020204" pitchFamily="34" charset="0"/>
+              <a:buChar char="•"/>
+            </a:pPr>
+            <a:endParaRPr lang="en-US" altLang="ko-KR" dirty="0"/>
+          </a:p>
+          <a:p>
+            <a:pPr marL="342900" indent="-342900">
+              <a:buFont typeface="Arial" panose="020B0604020202020204" pitchFamily="34" charset="0"/>
+              <a:buChar char="•"/>
+            </a:pPr>
             <a:r>
               <a:rPr lang="en-US" altLang="ko-KR" dirty="0" smtClean="0"/>
-              <a:t>U is not active </a:t>
-            </a:r>
-          </a:p>
-          <a:p>
-            <a:r>
-              <a:rPr lang="en-US" altLang="ko-KR" dirty="0" smtClean="0"/>
-              <a:t>At r &gt; R</a:t>
+              <a:t>Non-perturbative H_s + first order perturbation (H’-H_s)</a:t>
+            </a:r>
+          </a:p>
+          <a:p>
+            <a:pPr marL="342900" indent="-342900">
+              <a:buFont typeface="Arial" panose="020B0604020202020204" pitchFamily="34" charset="0"/>
+              <a:buChar char="•"/>
+            </a:pPr>
+            <a:r>
+              <a:rPr lang="en-US" altLang="ko-KR" dirty="0" smtClean="0">
+                <a:sym typeface="Wingdings" panose="05000000000000000000" pitchFamily="2" charset="2"/>
+              </a:rPr>
+              <a:t> 2.02 MeV . </a:t>
+            </a:r>
+          </a:p>
+          <a:p>
+            <a:pPr marL="342900" indent="-342900">
+              <a:buFont typeface="Arial" panose="020B0604020202020204" pitchFamily="34" charset="0"/>
+              <a:buChar char="•"/>
+            </a:pPr>
+            <a:r>
+              <a:rPr lang="en-US" altLang="ko-KR" dirty="0" smtClean="0">
+                <a:sym typeface="Wingdings" panose="05000000000000000000" pitchFamily="2" charset="2"/>
+              </a:rPr>
+              <a:t> 0.1MeV/nucleon error is attributed to higher order (H’-H_s) correction</a:t>
+            </a:r>
+          </a:p>
+          <a:p>
+            <a:pPr marL="342900" indent="-342900">
+              <a:buFont typeface="Arial" panose="020B0604020202020204" pitchFamily="34" charset="0"/>
+              <a:buChar char="•"/>
+            </a:pPr>
+            <a:endParaRPr lang="en-US" altLang="ko-KR" dirty="0" smtClean="0">
+              <a:sym typeface="Wingdings" panose="05000000000000000000" pitchFamily="2" charset="2"/>
+            </a:endParaRPr>
+          </a:p>
+          <a:p>
+            <a:pPr marL="342900" indent="-342900">
+              <a:buFont typeface="Arial" panose="020B0604020202020204" pitchFamily="34" charset="0"/>
+              <a:buChar char="•"/>
+            </a:pPr>
+            <a:r>
+              <a:rPr lang="en-US" altLang="ko-KR" dirty="0" smtClean="0">
+                <a:sym typeface="Wingdings" panose="05000000000000000000" pitchFamily="2" charset="2"/>
+              </a:rPr>
+              <a:t>Non-perturbative H_s + first order perturbation (H-H_s) </a:t>
+            </a:r>
+          </a:p>
+          <a:p>
+            <a:pPr marL="342900" indent="-342900">
+              <a:buFont typeface="Arial" panose="020B0604020202020204" pitchFamily="34" charset="0"/>
+              <a:buChar char="•"/>
+            </a:pPr>
+            <a:r>
+              <a:rPr lang="en-US" altLang="ko-KR" dirty="0" smtClean="0">
+                <a:sym typeface="Wingdings" panose="05000000000000000000" pitchFamily="2" charset="2"/>
+              </a:rPr>
+              <a:t> 0.68 MeV</a:t>
+            </a:r>
+          </a:p>
+          <a:p>
+            <a:pPr marL="342900" indent="-342900">
+              <a:buFont typeface="Arial" panose="020B0604020202020204" pitchFamily="34" charset="0"/>
+              <a:buChar char="•"/>
+            </a:pPr>
+            <a:r>
+              <a:rPr lang="en-US" altLang="ko-KR" dirty="0" smtClean="0">
+                <a:sym typeface="Wingdings" panose="05000000000000000000" pitchFamily="2" charset="2"/>
+              </a:rPr>
+              <a:t> worse convergence </a:t>
             </a:r>
             <a:endParaRPr lang="ko-KR" altLang="en-US" dirty="0"/>
+          </a:p>
+        </p:txBody>
+      </p:sp>
+      <p:sp>
+        <p:nvSpPr>
+          <p:cNvPr id="5" name="직사각형 4"/>
+          <p:cNvSpPr/>
+          <p:nvPr/>
+        </p:nvSpPr>
+        <p:spPr>
+          <a:xfrm>
+            <a:off x="7136303" y="5559721"/>
+            <a:ext cx="2654243" cy="646331"/>
+          </a:xfrm>
+          <a:prstGeom prst="rect">
+            <a:avLst/>
+          </a:prstGeom>
+          <a:noFill/>
+        </p:spPr>
+        <p:txBody>
+          <a:bodyPr wrap="square" lIns="91440" tIns="45720" rIns="91440" bIns="45720">
+            <a:spAutoFit/>
+          </a:bodyPr>
+          <a:lstStyle/>
+          <a:p>
+            <a:pPr algn="ctr"/>
+            <a:r>
+              <a:rPr lang="en-US" altLang="ko-KR" sz="3600" b="0" cap="none" spc="0" dirty="0" smtClean="0">
+                <a:ln w="0"/>
+                <a:solidFill>
+                  <a:srgbClr val="FF0000"/>
+                </a:solidFill>
+                <a:effectLst>
+                  <a:outerShdw blurRad="38100" dist="19050" dir="2700000" algn="tl" rotWithShape="0">
+                    <a:schemeClr val="dk1">
+                      <a:alpha val="40000"/>
+                    </a:schemeClr>
+                  </a:outerShdw>
+                </a:effectLst>
+              </a:rPr>
+              <a:t>Preliminary</a:t>
+            </a:r>
+            <a:endParaRPr lang="en-US" altLang="ko-KR" sz="3600" b="0" cap="none" spc="0" dirty="0">
+              <a:ln w="0"/>
+              <a:solidFill>
+                <a:srgbClr val="FF0000"/>
+              </a:solidFill>
+              <a:effectLst>
+                <a:outerShdw blurRad="38100" dist="19050" dir="2700000" algn="tl" rotWithShape="0">
+                  <a:schemeClr val="dk1">
+                    <a:alpha val="40000"/>
+                  </a:schemeClr>
+                </a:outerShdw>
+              </a:effectLst>
+            </a:endParaRPr>
           </a:p>
         </p:txBody>
       </p:sp>
     </p:spTree>
     <p:extLst>
       <p:ext uri="{BB962C8B-B14F-4D97-AF65-F5344CB8AC3E}">
-        <p14:creationId xmlns:p14="http://schemas.microsoft.com/office/powerpoint/2010/main" val="651524898"/>
+        <p14:creationId xmlns:p14="http://schemas.microsoft.com/office/powerpoint/2010/main" val="2727539032"/>
       </p:ext>
     </p:extLst>
   </p:cSld>
@@ -19871,205 +19949,20 @@
           <a:lstStyle/>
           <a:p>
             <a:r>
+              <a:rPr lang="en-US" altLang="ko-KR" dirty="0" err="1" smtClean="0"/>
+              <a:t>Tjon</a:t>
+            </a:r>
+            <a:r>
               <a:rPr lang="en-US" altLang="ko-KR" dirty="0" smtClean="0"/>
-              <a:t>Wave Function Matching Hamiltonian</a:t>
+              <a:t> line</a:t>
             </a:r>
             <a:endParaRPr lang="ko-KR" altLang="en-US" dirty="0"/>
-          </a:p>
-        </p:txBody>
-      </p:sp>
-      <p:sp>
-        <p:nvSpPr>
-          <p:cNvPr id="6" name="TextBox 5"/>
-          <p:cNvSpPr txBox="1"/>
-          <p:nvPr/>
-        </p:nvSpPr>
-        <p:spPr>
-          <a:xfrm>
-            <a:off x="838367" y="1524000"/>
-            <a:ext cx="8229266" cy="3283206"/>
-          </a:xfrm>
-          <a:prstGeom prst="rect">
-            <a:avLst/>
-          </a:prstGeom>
-          <a:noFill/>
-        </p:spPr>
-        <p:txBody>
-          <a:bodyPr wrap="square" rtlCol="0">
-            <a:spAutoFit/>
-          </a:bodyPr>
-          <a:lstStyle/>
-          <a:p>
-            <a:pPr marL="342900" indent="-342900">
-              <a:buFont typeface="Arial" panose="020B0604020202020204" pitchFamily="34" charset="0"/>
-              <a:buChar char="•"/>
-            </a:pPr>
-            <a:r>
-              <a:rPr lang="en-US" altLang="ko-KR" dirty="0" smtClean="0"/>
-              <a:t>new Hamiltonian is not the same as original Hamiltonian</a:t>
-            </a:r>
-          </a:p>
-          <a:p>
-            <a:pPr marL="821819" lvl="1" indent="-342900">
-              <a:buFont typeface="Arial" panose="020B0604020202020204" pitchFamily="34" charset="0"/>
-              <a:buChar char="•"/>
-            </a:pPr>
-            <a:r>
-              <a:rPr lang="en-US" altLang="ko-KR" dirty="0" smtClean="0">
-                <a:sym typeface="Wingdings" panose="05000000000000000000" pitchFamily="2" charset="2"/>
-              </a:rPr>
-              <a:t>Naturally need correction terms </a:t>
-            </a:r>
-          </a:p>
-          <a:p>
-            <a:pPr marL="821819" lvl="1" indent="-342900">
-              <a:buFont typeface="Arial" panose="020B0604020202020204" pitchFamily="34" charset="0"/>
-              <a:buChar char="•"/>
-            </a:pPr>
-            <a:r>
-              <a:rPr lang="en-US" altLang="ko-KR" dirty="0" err="1" smtClean="0">
-                <a:sym typeface="Wingdings" panose="05000000000000000000" pitchFamily="2" charset="2"/>
-              </a:rPr>
-              <a:t>H_soft</a:t>
-            </a:r>
-            <a:r>
-              <a:rPr lang="en-US" altLang="ko-KR" dirty="0" smtClean="0">
-                <a:sym typeface="Wingdings" panose="05000000000000000000" pitchFamily="2" charset="2"/>
-              </a:rPr>
-              <a:t> has better property for non-perturbative calculation</a:t>
-            </a:r>
-          </a:p>
-          <a:p>
-            <a:pPr marL="821819" lvl="1" indent="-342900">
-              <a:buFont typeface="Arial" panose="020B0604020202020204" pitchFamily="34" charset="0"/>
-              <a:buChar char="•"/>
-            </a:pPr>
-            <a:r>
-              <a:rPr lang="en-US" altLang="ko-KR" dirty="0" smtClean="0">
-                <a:sym typeface="Wingdings" panose="05000000000000000000" pitchFamily="2" charset="2"/>
-              </a:rPr>
-              <a:t>Perturbative expansion for the corrections</a:t>
-            </a:r>
-          </a:p>
-          <a:p>
-            <a:pPr marL="821819" lvl="1" indent="-342900">
-              <a:buFont typeface="Arial" panose="020B0604020202020204" pitchFamily="34" charset="0"/>
-              <a:buChar char="•"/>
-            </a:pPr>
-            <a:r>
-              <a:rPr lang="en-US" altLang="ko-KR" dirty="0" smtClean="0">
-                <a:sym typeface="Wingdings" panose="05000000000000000000" pitchFamily="2" charset="2"/>
-              </a:rPr>
-              <a:t>No new LECs in 2-body interaction</a:t>
-            </a:r>
-          </a:p>
-          <a:p>
-            <a:pPr lvl="1"/>
-            <a:r>
-              <a:rPr lang="en-US" altLang="ko-KR" dirty="0">
-                <a:sym typeface="Wingdings" panose="05000000000000000000" pitchFamily="2" charset="2"/>
-              </a:rPr>
-              <a:t> </a:t>
-            </a:r>
-            <a:r>
-              <a:rPr lang="en-US" altLang="ko-KR" dirty="0" smtClean="0">
-                <a:sym typeface="Wingdings" panose="05000000000000000000" pitchFamily="2" charset="2"/>
-              </a:rPr>
-              <a:t>    (</a:t>
-            </a:r>
-            <a:r>
-              <a:rPr lang="en-US" altLang="ko-KR" dirty="0" err="1" smtClean="0">
-                <a:sym typeface="Wingdings" panose="05000000000000000000" pitchFamily="2" charset="2"/>
-              </a:rPr>
-              <a:t>H_soft</a:t>
-            </a:r>
-            <a:r>
-              <a:rPr lang="en-US" altLang="ko-KR" dirty="0" smtClean="0">
-                <a:sym typeface="Wingdings" panose="05000000000000000000" pitchFamily="2" charset="2"/>
-              </a:rPr>
-              <a:t> is a choice. </a:t>
-            </a:r>
-            <a:r>
-              <a:rPr lang="en-US" altLang="ko-KR" dirty="0" err="1">
-                <a:sym typeface="Wingdings" panose="05000000000000000000" pitchFamily="2" charset="2"/>
-              </a:rPr>
-              <a:t>U^dagger</a:t>
-            </a:r>
-            <a:r>
-              <a:rPr lang="en-US" altLang="ko-KR" dirty="0">
-                <a:sym typeface="Wingdings" panose="05000000000000000000" pitchFamily="2" charset="2"/>
-              </a:rPr>
-              <a:t> H </a:t>
-            </a:r>
-            <a:r>
-              <a:rPr lang="en-US" altLang="ko-KR" dirty="0" smtClean="0">
-                <a:sym typeface="Wingdings" panose="05000000000000000000" pitchFamily="2" charset="2"/>
-              </a:rPr>
-              <a:t>U is computable for 2-body.)</a:t>
-            </a:r>
-          </a:p>
-          <a:p>
-            <a:pPr marL="821819" lvl="1" indent="-342900">
-              <a:buFont typeface="Arial" panose="020B0604020202020204" pitchFamily="34" charset="0"/>
-              <a:buChar char="•"/>
-            </a:pPr>
-            <a:r>
-              <a:rPr lang="en-US" altLang="ko-KR" dirty="0" smtClean="0">
-                <a:solidFill>
-                  <a:srgbClr val="FF0000"/>
-                </a:solidFill>
-                <a:sym typeface="Wingdings" panose="05000000000000000000" pitchFamily="2" charset="2"/>
-              </a:rPr>
-              <a:t>Drawback </a:t>
-            </a:r>
-            <a:r>
-              <a:rPr lang="en-US" altLang="ko-KR" dirty="0" smtClean="0">
-                <a:sym typeface="Wingdings" panose="05000000000000000000" pitchFamily="2" charset="2"/>
-              </a:rPr>
-              <a:t>: Induces many body interactions</a:t>
-            </a:r>
-          </a:p>
-          <a:p>
-            <a:pPr marL="1300738" lvl="2" indent="-342900">
-              <a:buFont typeface="Arial" panose="020B0604020202020204" pitchFamily="34" charset="0"/>
-              <a:buChar char="•"/>
-            </a:pPr>
-            <a:r>
-              <a:rPr lang="en-US" altLang="ko-KR" dirty="0" smtClean="0">
-                <a:sym typeface="Wingdings" panose="05000000000000000000" pitchFamily="2" charset="2"/>
-              </a:rPr>
-              <a:t>In principle, one may compute the induced many-body interactions</a:t>
-            </a:r>
-          </a:p>
-          <a:p>
-            <a:pPr marL="1300738" lvl="2" indent="-342900">
-              <a:buFont typeface="Arial" panose="020B0604020202020204" pitchFamily="34" charset="0"/>
-              <a:buChar char="•"/>
-            </a:pPr>
-            <a:r>
-              <a:rPr lang="en-US" altLang="ko-KR" dirty="0" smtClean="0">
-                <a:sym typeface="Wingdings" panose="05000000000000000000" pitchFamily="2" charset="2"/>
-              </a:rPr>
-              <a:t>In practice, highly non-trivial.</a:t>
-            </a:r>
-          </a:p>
-          <a:p>
-            <a:pPr marL="1300738" lvl="2" indent="-342900">
-              <a:buFont typeface="Arial" panose="020B0604020202020204" pitchFamily="34" charset="0"/>
-              <a:buChar char="•"/>
-            </a:pPr>
-            <a:r>
-              <a:rPr lang="en-US" altLang="ko-KR" dirty="0" smtClean="0">
-                <a:sym typeface="Wingdings" panose="05000000000000000000" pitchFamily="2" charset="2"/>
-              </a:rPr>
-              <a:t> introduce additional 3-body interactions and fit them. </a:t>
-            </a:r>
           </a:p>
         </p:txBody>
       </p:sp>
       <p:pic>
         <p:nvPicPr>
-          <p:cNvPr id="4" name="그림 3"/>
+          <p:cNvPr id="3" name="그림 2"/>
           <p:cNvPicPr>
             <a:picLocks noChangeAspect="1"/>
           </p:cNvPicPr>
@@ -20083,18 +19976,154 @@
         </p:blipFill>
         <p:spPr>
           <a:xfrm>
-            <a:off x="1249226" y="4793001"/>
-            <a:ext cx="4280037" cy="1105441"/>
+            <a:off x="272407" y="1736436"/>
+            <a:ext cx="5364088" cy="4488545"/>
           </a:xfrm>
           <a:prstGeom prst="rect">
             <a:avLst/>
           </a:prstGeom>
         </p:spPr>
       </p:pic>
+      <p:sp>
+        <p:nvSpPr>
+          <p:cNvPr id="4" name="TextBox 3"/>
+          <p:cNvSpPr txBox="1"/>
+          <p:nvPr/>
+        </p:nvSpPr>
+        <p:spPr>
+          <a:xfrm>
+            <a:off x="6132945" y="1985818"/>
+            <a:ext cx="3417455" cy="3573286"/>
+          </a:xfrm>
+          <a:prstGeom prst="rect">
+            <a:avLst/>
+          </a:prstGeom>
+          <a:noFill/>
+        </p:spPr>
+        <p:txBody>
+          <a:bodyPr wrap="square" rtlCol="0">
+            <a:spAutoFit/>
+          </a:bodyPr>
+          <a:lstStyle/>
+          <a:p>
+            <a:r>
+              <a:rPr lang="en-US" altLang="ko-KR" dirty="0" smtClean="0"/>
+              <a:t>Correlation between 3H and 4He binding energy. </a:t>
+            </a:r>
+          </a:p>
+          <a:p>
+            <a:endParaRPr lang="en-US" altLang="ko-KR" dirty="0"/>
+          </a:p>
+          <a:p>
+            <a:r>
+              <a:rPr lang="en-US" altLang="ko-KR" dirty="0" smtClean="0"/>
+              <a:t>Two nucleon interaction only.</a:t>
+            </a:r>
+          </a:p>
+          <a:p>
+            <a:endParaRPr lang="en-US" altLang="ko-KR" dirty="0"/>
+          </a:p>
+          <a:p>
+            <a:r>
+              <a:rPr lang="en-US" altLang="ko-KR" dirty="0" smtClean="0"/>
+              <a:t>Open symbols: chiral EFT</a:t>
+            </a:r>
+          </a:p>
+          <a:p>
+            <a:r>
+              <a:rPr lang="en-US" altLang="ko-KR" dirty="0" smtClean="0"/>
+              <a:t>(non-perturbative LO</a:t>
+            </a:r>
+          </a:p>
+          <a:p>
+            <a:r>
+              <a:rPr lang="en-US" altLang="ko-KR" dirty="0" smtClean="0"/>
+              <a:t>+ perturbative higher orders)</a:t>
+            </a:r>
+          </a:p>
+          <a:p>
+            <a:endParaRPr lang="en-US" altLang="ko-KR" dirty="0"/>
+          </a:p>
+          <a:p>
+            <a:r>
+              <a:rPr lang="en-US" altLang="ko-KR" dirty="0" smtClean="0"/>
+              <a:t>filled symbols: W.M. </a:t>
+            </a:r>
+          </a:p>
+          <a:p>
+            <a:r>
+              <a:rPr lang="en-US" altLang="ko-KR" dirty="0" smtClean="0"/>
+              <a:t>(non-perturbative H’</a:t>
+            </a:r>
+          </a:p>
+          <a:p>
+            <a:r>
+              <a:rPr lang="en-US" altLang="ko-KR" dirty="0" smtClean="0"/>
+              <a:t>+perturbative corrections)</a:t>
+            </a:r>
+            <a:endParaRPr lang="ko-KR" altLang="en-US" dirty="0"/>
+          </a:p>
+        </p:txBody>
+      </p:sp>
+      <p:sp>
+        <p:nvSpPr>
+          <p:cNvPr id="5" name="직사각형 4"/>
+          <p:cNvSpPr/>
+          <p:nvPr/>
+        </p:nvSpPr>
+        <p:spPr>
+          <a:xfrm>
+            <a:off x="7136303" y="5559721"/>
+            <a:ext cx="2654243" cy="646331"/>
+          </a:xfrm>
+          <a:prstGeom prst="rect">
+            <a:avLst/>
+          </a:prstGeom>
+          <a:noFill/>
+        </p:spPr>
+        <p:txBody>
+          <a:bodyPr wrap="square" lIns="91440" tIns="45720" rIns="91440" bIns="45720">
+            <a:spAutoFit/>
+          </a:bodyPr>
+          <a:lstStyle/>
+          <a:p>
+            <a:pPr algn="ctr"/>
+            <a:r>
+              <a:rPr lang="en-US" altLang="ko-KR" sz="3600" b="0" cap="none" spc="0" dirty="0" smtClean="0">
+                <a:ln w="0"/>
+                <a:solidFill>
+                  <a:srgbClr val="FF0000"/>
+                </a:solidFill>
+                <a:effectLst>
+                  <a:outerShdw blurRad="38100" dist="19050" dir="2700000" algn="tl" rotWithShape="0">
+                    <a:schemeClr val="dk1">
+                      <a:alpha val="40000"/>
+                    </a:schemeClr>
+                  </a:outerShdw>
+                </a:effectLst>
+              </a:rPr>
+              <a:t>Preliminary</a:t>
+            </a:r>
+            <a:endParaRPr lang="en-US" altLang="ko-KR" sz="3600" b="0" cap="none" spc="0" dirty="0">
+              <a:ln w="0"/>
+              <a:solidFill>
+                <a:srgbClr val="FF0000"/>
+              </a:solidFill>
+              <a:effectLst>
+                <a:outerShdw blurRad="38100" dist="19050" dir="2700000" algn="tl" rotWithShape="0">
+                  <a:schemeClr val="dk1">
+                    <a:alpha val="40000"/>
+                  </a:schemeClr>
+                </a:outerShdw>
+              </a:effectLst>
+            </a:endParaRPr>
+          </a:p>
+        </p:txBody>
+      </p:sp>
     </p:spTree>
     <p:extLst>
       <p:ext uri="{BB962C8B-B14F-4D97-AF65-F5344CB8AC3E}">
-        <p14:creationId xmlns:p14="http://schemas.microsoft.com/office/powerpoint/2010/main" val="4074736718"/>
+        <p14:creationId xmlns:p14="http://schemas.microsoft.com/office/powerpoint/2010/main" val="299558142"/>
       </p:ext>
     </p:extLst>
   </p:cSld>
@@ -20159,8 +20188,8 @@
         </p:nvSpPr>
         <p:spPr>
           <a:xfrm>
-            <a:off x="703385" y="1723292"/>
-            <a:ext cx="7781192" cy="3863365"/>
+            <a:off x="826478" y="1441938"/>
+            <a:ext cx="7781192" cy="5023683"/>
           </a:xfrm>
           <a:prstGeom prst="rect">
             <a:avLst/>
@@ -20173,61 +20202,30 @@
           </a:bodyPr>
           <a:lstStyle/>
           <a:p>
-            <a:r>
-              <a:rPr lang="en-US" altLang="ko-KR" dirty="0" smtClean="0"/>
-              <a:t>Chiral EFT TBF at N2LO have two parameters: </a:t>
-            </a:r>
-            <a:r>
-              <a:rPr lang="en-US" altLang="ko-KR" dirty="0" err="1" smtClean="0"/>
-              <a:t>cD</a:t>
-            </a:r>
-            <a:r>
-              <a:rPr lang="en-US" altLang="ko-KR" dirty="0" smtClean="0"/>
-              <a:t>, </a:t>
-            </a:r>
-            <a:r>
-              <a:rPr lang="en-US" altLang="ko-KR" dirty="0" err="1" smtClean="0"/>
-              <a:t>cE</a:t>
-            </a:r>
-            <a:endParaRPr lang="en-US" altLang="ko-KR" dirty="0" smtClean="0"/>
-          </a:p>
-          <a:p>
-            <a:r>
-              <a:rPr lang="en-US" altLang="ko-KR" dirty="0"/>
-              <a:t> </a:t>
-            </a:r>
-            <a:r>
-              <a:rPr lang="en-US" altLang="ko-KR" dirty="0" smtClean="0"/>
-              <a:t>                         at N3LO have many-diagrams, but no new parameters</a:t>
-            </a:r>
-          </a:p>
-          <a:p>
-            <a:endParaRPr lang="en-US" altLang="ko-KR" dirty="0"/>
-          </a:p>
-          <a:p>
-            <a:r>
-              <a:rPr lang="en-US" altLang="ko-KR" dirty="0" smtClean="0"/>
-              <a:t>Here we have 4-parameters for TBF at N3LO:</a:t>
-            </a:r>
-          </a:p>
-          <a:p>
             <a:pPr marL="342900" indent="-342900">
               <a:buFont typeface="Arial" panose="020B0604020202020204" pitchFamily="34" charset="0"/>
               <a:buChar char="•"/>
             </a:pPr>
             <a:r>
-              <a:rPr lang="en-US" altLang="ko-KR" dirty="0"/>
-              <a:t> </a:t>
-            </a:r>
-            <a:r>
-              <a:rPr lang="en-US" altLang="ko-KR" dirty="0" smtClean="0"/>
-              <a:t>local smeared </a:t>
-            </a:r>
-            <a:r>
-              <a:rPr lang="en-US" altLang="ko-KR" dirty="0" err="1" smtClean="0"/>
-              <a:t>cD</a:t>
-            </a:r>
-            <a:endParaRPr lang="en-US" altLang="ko-KR" dirty="0" smtClean="0"/>
+              <a:rPr lang="en-US" altLang="ko-KR" dirty="0">
+                <a:sym typeface="Wingdings" panose="05000000000000000000" pitchFamily="2" charset="2"/>
+              </a:rPr>
+              <a:t>No new LECs in 2-body interaction</a:t>
+            </a:r>
+          </a:p>
+          <a:p>
+            <a:r>
+              <a:rPr lang="en-US" altLang="ko-KR" dirty="0" smtClean="0">
+                <a:sym typeface="Wingdings" panose="05000000000000000000" pitchFamily="2" charset="2"/>
+              </a:rPr>
+              <a:t>      </a:t>
+            </a:r>
+            <a:r>
+              <a:rPr lang="en-US" altLang="ko-KR" dirty="0">
+                <a:sym typeface="Wingdings" panose="05000000000000000000" pitchFamily="2" charset="2"/>
+              </a:rPr>
+              <a:t>We chose H_s as leading order of chiral EFT potential.</a:t>
+            </a:r>
           </a:p>
           <a:p>
             <a:pPr marL="342900" indent="-342900">
@@ -20235,11 +20233,126 @@
               <a:buChar char="•"/>
             </a:pPr>
             <a:r>
+              <a:rPr lang="en-US" altLang="ko-KR" dirty="0">
+                <a:solidFill>
+                  <a:srgbClr val="FF0000"/>
+                </a:solidFill>
+                <a:sym typeface="Wingdings" panose="05000000000000000000" pitchFamily="2" charset="2"/>
+              </a:rPr>
+              <a:t>Drawback </a:t>
+            </a:r>
+            <a:r>
+              <a:rPr lang="en-US" altLang="ko-KR" dirty="0">
+                <a:sym typeface="Wingdings" panose="05000000000000000000" pitchFamily="2" charset="2"/>
+              </a:rPr>
+              <a:t>: Induces many body interactions</a:t>
+            </a:r>
+          </a:p>
+          <a:p>
+            <a:pPr marL="821819" lvl="1" indent="-342900">
+              <a:buFont typeface="Arial" panose="020B0604020202020204" pitchFamily="34" charset="0"/>
+              <a:buChar char="•"/>
+            </a:pPr>
+            <a:r>
+              <a:rPr lang="en-US" altLang="ko-KR" dirty="0">
+                <a:sym typeface="Wingdings" panose="05000000000000000000" pitchFamily="2" charset="2"/>
+              </a:rPr>
+              <a:t> introduce additional 3-body interactions and fit them</a:t>
+            </a:r>
+            <a:r>
+              <a:rPr lang="en-US" altLang="ko-KR" dirty="0" smtClean="0">
+                <a:sym typeface="Wingdings" panose="05000000000000000000" pitchFamily="2" charset="2"/>
+              </a:rPr>
+              <a:t>.</a:t>
+            </a:r>
+          </a:p>
+          <a:p>
+            <a:pPr marL="821819" lvl="1" indent="-342900">
+              <a:buFont typeface="Arial" panose="020B0604020202020204" pitchFamily="34" charset="0"/>
+              <a:buChar char="•"/>
+            </a:pPr>
+            <a:endParaRPr lang="en-US" altLang="ko-KR" dirty="0"/>
+          </a:p>
+          <a:p>
+            <a:pPr marL="342900" indent="-342900">
+              <a:buFont typeface="Arial" panose="020B0604020202020204" pitchFamily="34" charset="0"/>
+              <a:buChar char="•"/>
+            </a:pPr>
+            <a:r>
+              <a:rPr lang="en-US" altLang="ko-KR" dirty="0" smtClean="0"/>
+              <a:t>Chiral </a:t>
+            </a:r>
+            <a:r>
+              <a:rPr lang="en-US" altLang="ko-KR" dirty="0" smtClean="0"/>
+              <a:t>EFT TBF at N2LO have two parameters: </a:t>
+            </a:r>
+            <a:r>
+              <a:rPr lang="en-US" altLang="ko-KR" dirty="0" err="1" smtClean="0"/>
+              <a:t>cD</a:t>
+            </a:r>
+            <a:r>
+              <a:rPr lang="en-US" altLang="ko-KR" dirty="0" smtClean="0"/>
+              <a:t>, </a:t>
+            </a:r>
+            <a:r>
+              <a:rPr lang="en-US" altLang="ko-KR" dirty="0" err="1" smtClean="0"/>
+              <a:t>cE</a:t>
+            </a:r>
+            <a:endParaRPr lang="en-US" altLang="ko-KR" dirty="0" smtClean="0"/>
+          </a:p>
+          <a:p>
+            <a:r>
               <a:rPr lang="en-US" altLang="ko-KR" dirty="0"/>
               <a:t> </a:t>
             </a:r>
             <a:r>
               <a:rPr lang="en-US" altLang="ko-KR" dirty="0" smtClean="0"/>
+              <a:t>                         at N3LO have many-diagrams, but no new parameter.</a:t>
+            </a:r>
+          </a:p>
+          <a:p>
+            <a:endParaRPr lang="en-US" altLang="ko-KR" dirty="0"/>
+          </a:p>
+          <a:p>
+            <a:pPr marL="342900" indent="-342900">
+              <a:buFont typeface="Arial" panose="020B0604020202020204" pitchFamily="34" charset="0"/>
+              <a:buChar char="•"/>
+            </a:pPr>
+            <a:r>
+              <a:rPr lang="en-US" altLang="ko-KR" dirty="0" smtClean="0"/>
+              <a:t>4 new parameters for TBF at N3LO:</a:t>
+            </a:r>
+          </a:p>
+          <a:p>
+            <a:pPr marL="821819" lvl="1" indent="-342900">
+              <a:buFont typeface="Arial" panose="020B0604020202020204" pitchFamily="34" charset="0"/>
+              <a:buChar char="•"/>
+            </a:pPr>
+            <a:r>
+              <a:rPr lang="en-US" altLang="ko-KR" dirty="0"/>
+              <a:t> </a:t>
+            </a:r>
+            <a:r>
+              <a:rPr lang="en-US" altLang="ko-KR" dirty="0" smtClean="0"/>
+              <a:t>local smeared </a:t>
+            </a:r>
+            <a:r>
+              <a:rPr lang="en-US" altLang="ko-KR" dirty="0" err="1" smtClean="0"/>
+              <a:t>cD</a:t>
+            </a:r>
+            <a:endParaRPr lang="en-US" altLang="ko-KR" dirty="0" smtClean="0"/>
+          </a:p>
+          <a:p>
+            <a:pPr marL="821819" lvl="1" indent="-342900">
+              <a:buFont typeface="Arial" panose="020B0604020202020204" pitchFamily="34" charset="0"/>
+              <a:buChar char="•"/>
+            </a:pPr>
+            <a:r>
+              <a:rPr lang="en-US" altLang="ko-KR" dirty="0"/>
+              <a:t> </a:t>
+            </a:r>
+            <a:r>
+              <a:rPr lang="en-US" altLang="ko-KR" dirty="0" smtClean="0"/>
               <a:t>local smeared </a:t>
             </a:r>
             <a:r>
@@ -20249,7 +20362,7 @@
             <a:endParaRPr lang="en-US" altLang="ko-KR" dirty="0" smtClean="0"/>
           </a:p>
           <a:p>
-            <a:pPr marL="342900" indent="-342900">
+            <a:pPr marL="821819" lvl="1" indent="-342900">
               <a:buFont typeface="Arial" panose="020B0604020202020204" pitchFamily="34" charset="0"/>
               <a:buChar char="•"/>
             </a:pPr>
@@ -20278,15 +20391,13 @@
               <a:rPr lang="en-US" altLang="ko-KR" dirty="0" smtClean="0">
                 <a:sym typeface="Wingdings" panose="05000000000000000000" pitchFamily="2" charset="2"/>
               </a:rPr>
-              <a:t>These corresponds to a fine-tuning of </a:t>
-            </a:r>
-          </a:p>
-          <a:p>
+              <a:t>a </a:t>
+            </a:r>
             <a:r>
               <a:rPr lang="en-US" altLang="ko-KR" dirty="0" smtClean="0">
                 <a:sym typeface="Wingdings" panose="05000000000000000000" pitchFamily="2" charset="2"/>
               </a:rPr>
-              <a:t>     </a:t>
+              <a:t>fine-tuning of </a:t>
             </a:r>
             <a:r>
               <a:rPr lang="el-GR" altLang="ko-KR" dirty="0" smtClean="0">
@@ -20301,30 +20412,6 @@
               <a:t>-</a:t>
             </a:r>
             <a:r>
-              <a:rPr lang="el-GR" altLang="ko-KR" dirty="0">
-                <a:sym typeface="Wingdings" panose="05000000000000000000" pitchFamily="2" charset="2"/>
-              </a:rPr>
-              <a:t> α</a:t>
-            </a:r>
-            <a:r>
-              <a:rPr lang="en-US" altLang="ko-KR" dirty="0" smtClean="0">
-                <a:sym typeface="Wingdings" panose="05000000000000000000" pitchFamily="2" charset="2"/>
-              </a:rPr>
-              <a:t> S-wave scattering, </a:t>
-            </a:r>
-            <a:r>
-              <a:rPr lang="el-GR" altLang="ko-KR" dirty="0" smtClean="0">
-                <a:sym typeface="Wingdings" panose="05000000000000000000" pitchFamily="2" charset="2"/>
-              </a:rPr>
-              <a:t>α </a:t>
-            </a:r>
-            <a:r>
-              <a:rPr lang="en-US" altLang="ko-KR" dirty="0" smtClean="0">
-                <a:sym typeface="Wingdings" panose="05000000000000000000" pitchFamily="2" charset="2"/>
-              </a:rPr>
-              <a:t>-N scattering, </a:t>
-            </a:r>
-            <a:r>
               <a:rPr lang="el-GR" altLang="ko-KR" dirty="0" smtClean="0">
                 <a:sym typeface="Wingdings" panose="05000000000000000000" pitchFamily="2" charset="2"/>
               </a:rPr>
@@ -20334,13 +20421,55 @@
               <a:rPr lang="en-US" altLang="ko-KR" dirty="0" smtClean="0">
                 <a:sym typeface="Wingdings" panose="05000000000000000000" pitchFamily="2" charset="2"/>
               </a:rPr>
-              <a:t>-N-N scattering,</a:t>
+              <a:t> </a:t>
+            </a:r>
+            <a:r>
+              <a:rPr lang="en-US" altLang="ko-KR" dirty="0" smtClean="0">
+                <a:sym typeface="Wingdings" panose="05000000000000000000" pitchFamily="2" charset="2"/>
+              </a:rPr>
+              <a:t>S-wave scattering, </a:t>
             </a:r>
             <a:r>
               <a:rPr lang="el-GR" altLang="ko-KR" dirty="0" smtClean="0">
                 <a:sym typeface="Wingdings" panose="05000000000000000000" pitchFamily="2" charset="2"/>
               </a:rPr>
-              <a:t> α </a:t>
+              <a:t>α</a:t>
+            </a:r>
+            <a:r>
+              <a:rPr lang="en-US" altLang="ko-KR" dirty="0" smtClean="0">
+                <a:sym typeface="Wingdings" panose="05000000000000000000" pitchFamily="2" charset="2"/>
+              </a:rPr>
+              <a:t>-N </a:t>
+            </a:r>
+            <a:r>
+              <a:rPr lang="en-US" altLang="ko-KR" dirty="0" smtClean="0">
+                <a:sym typeface="Wingdings" panose="05000000000000000000" pitchFamily="2" charset="2"/>
+              </a:rPr>
+              <a:t>scattering, </a:t>
+            </a:r>
+            <a:r>
+              <a:rPr lang="el-GR" altLang="ko-KR" dirty="0" smtClean="0">
+                <a:sym typeface="Wingdings" panose="05000000000000000000" pitchFamily="2" charset="2"/>
+              </a:rPr>
+              <a:t>α</a:t>
+            </a:r>
+            <a:r>
+              <a:rPr lang="en-US" altLang="ko-KR" dirty="0" smtClean="0">
+                <a:sym typeface="Wingdings" panose="05000000000000000000" pitchFamily="2" charset="2"/>
+              </a:rPr>
+              <a:t>-N-N scattering,</a:t>
+            </a:r>
+            <a:r>
+              <a:rPr lang="el-GR" altLang="ko-KR" dirty="0" smtClean="0">
+                <a:sym typeface="Wingdings" panose="05000000000000000000" pitchFamily="2" charset="2"/>
+              </a:rPr>
+              <a:t> </a:t>
+            </a:r>
+            <a:r>
+              <a:rPr lang="el-GR" altLang="ko-KR" dirty="0" smtClean="0">
+                <a:sym typeface="Wingdings" panose="05000000000000000000" pitchFamily="2" charset="2"/>
+              </a:rPr>
+              <a:t>α</a:t>
             </a:r>
             <a:r>
               <a:rPr lang="en-US" altLang="ko-KR" dirty="0" smtClean="0">
@@ -20349,10 +20478,10 @@
               <a:t>-</a:t>
             </a:r>
             <a:r>
-              <a:rPr lang="el-GR" altLang="ko-KR" dirty="0">
+              <a:rPr lang="el-GR" altLang="ko-KR" dirty="0" smtClean="0">
                 <a:sym typeface="Wingdings" panose="05000000000000000000" pitchFamily="2" charset="2"/>
               </a:rPr>
-              <a:t> α </a:t>
+              <a:t>α</a:t>
             </a:r>
             <a:r>
               <a:rPr lang="en-US" altLang="ko-KR" dirty="0" smtClean="0">
@@ -20361,16 +20490,22 @@
               <a:t>-</a:t>
             </a:r>
             <a:r>
-              <a:rPr lang="el-GR" altLang="ko-KR" dirty="0">
+              <a:rPr lang="el-GR" altLang="ko-KR" dirty="0" smtClean="0">
                 <a:sym typeface="Wingdings" panose="05000000000000000000" pitchFamily="2" charset="2"/>
               </a:rPr>
-              <a:t> α</a:t>
+              <a:t>α</a:t>
             </a:r>
             <a:r>
               <a:rPr lang="en-US" altLang="ko-KR" dirty="0" smtClean="0">
                 <a:sym typeface="Wingdings" panose="05000000000000000000" pitchFamily="2" charset="2"/>
               </a:rPr>
-              <a:t> scattering, </a:t>
+              <a:t> </a:t>
+            </a:r>
+            <a:r>
+              <a:rPr lang="en-US" altLang="ko-KR" dirty="0" smtClean="0">
+                <a:sym typeface="Wingdings" panose="05000000000000000000" pitchFamily="2" charset="2"/>
+              </a:rPr>
+              <a:t>scattering, </a:t>
             </a:r>
             <a:r>
               <a:rPr lang="en-US" altLang="ko-KR" dirty="0" smtClean="0"/>
@@ -20385,13 +20520,37 @@
               <a:buFont typeface="Arial" panose="020B0604020202020204" pitchFamily="34" charset="0"/>
               <a:buChar char="•"/>
             </a:pPr>
+            <a:r>
+              <a:rPr lang="en-US" altLang="ko-KR" dirty="0" smtClean="0">
+                <a:solidFill>
+                  <a:srgbClr val="292934"/>
+                </a:solidFill>
+              </a:rPr>
+              <a:t>more </a:t>
+            </a:r>
             <a:r>
               <a:rPr lang="en-US" altLang="ko-KR" dirty="0">
                 <a:solidFill>
                   <a:srgbClr val="292934"/>
                 </a:solidFill>
               </a:rPr>
-              <a:t>Introducing more TBF parameters only give minor improvements</a:t>
+              <a:t>TBF </a:t>
+            </a:r>
+            <a:r>
+              <a:rPr lang="en-US" altLang="ko-KR" dirty="0" smtClean="0">
+                <a:solidFill>
+                  <a:srgbClr val="292934"/>
+                </a:solidFill>
+              </a:rPr>
+              <a:t>terms </a:t>
+            </a:r>
+            <a:r>
+              <a:rPr lang="en-US" altLang="ko-KR" dirty="0">
+                <a:solidFill>
+                  <a:srgbClr val="292934"/>
+                </a:solidFill>
+              </a:rPr>
+              <a:t>only give minor improvements</a:t>
             </a:r>
             <a:r>
               <a:rPr lang="en-US" altLang="ko-KR" dirty="0" smtClean="0">
@@ -20408,7 +20567,7 @@
     </p:spTree>
     <p:extLst>
       <p:ext uri="{BB962C8B-B14F-4D97-AF65-F5344CB8AC3E}">
-        <p14:creationId xmlns:p14="http://schemas.microsoft.com/office/powerpoint/2010/main" val="1318035596"/>
+        <p14:creationId xmlns:p14="http://schemas.microsoft.com/office/powerpoint/2010/main" val="2613128812"/>
       </p:ext>
     </p:extLst>
   </p:cSld>
@@ -20459,296 +20618,6 @@
           <a:p>
             <a:r>
               <a:rPr lang="en-US" altLang="ko-KR" dirty="0" smtClean="0"/>
-              <a:t>NN phase shifts from WFM</a:t>
-            </a:r>
-            <a:endParaRPr lang="ko-KR" altLang="en-US" dirty="0"/>
-          </a:p>
-        </p:txBody>
-      </p:sp>
-      <p:pic>
-        <p:nvPicPr>
-          <p:cNvPr id="3" name="그림 2"/>
-          <p:cNvPicPr>
-            <a:picLocks noChangeAspect="1"/>
-          </p:cNvPicPr>
-          <p:nvPr/>
-        </p:nvPicPr>
-        <p:blipFill>
-          <a:blip r:embed="rId2"/>
-          <a:stretch>
-            <a:fillRect/>
-          </a:stretch>
-        </p:blipFill>
-        <p:spPr>
-          <a:xfrm>
-            <a:off x="1199975" y="1592263"/>
-            <a:ext cx="7506049" cy="4798684"/>
-          </a:xfrm>
-          <a:prstGeom prst="rect">
-            <a:avLst/>
-          </a:prstGeom>
-        </p:spPr>
-      </p:pic>
-    </p:spTree>
-    <p:extLst>
-      <p:ext uri="{BB962C8B-B14F-4D97-AF65-F5344CB8AC3E}">
-        <p14:creationId xmlns:p14="http://schemas.microsoft.com/office/powerpoint/2010/main" val="2077646196"/>
-      </p:ext>
-    </p:extLst>
-  </p:cSld>
-  <p:clrMapOvr>
-    <a:masterClrMapping/>
-  </p:clrMapOvr>
-  <p:timing>
-    <p:tnLst>
-      <p:par>
-        <p:cTn id="1" dur="indefinite" restart="never" nodeType="tmRoot"/>
-      </p:par>
-    </p:tnLst>
-  </p:timing>
-</p:sld>
-</file>
-
-<file path=ppt/slides/slide24.xml><?xml version="1.0" encoding="utf-8"?>
-<p:sld xmlns:a="http://schemas.openxmlformats.org/drawingml/2006/main" xmlns:r="http://schemas.openxmlformats.org/officeDocument/2006/relationships" xmlns:p="http://schemas.openxmlformats.org/presentationml/2006/main">
-  <p:cSld>
-    <p:spTree>
-      <p:nvGrpSpPr>
-        <p:cNvPr id="1" name=""/>
-        <p:cNvGrpSpPr/>
-        <p:nvPr/>
-      </p:nvGrpSpPr>
-      <p:grpSpPr>
-        <a:xfrm>
-          <a:off x="0" y="0"/>
-          <a:ext cx="0" cy="0"/>
-          <a:chOff x="0" y="0"/>
-          <a:chExt cx="0" cy="0"/>
-        </a:xfrm>
-      </p:grpSpPr>
-      <p:sp>
-        <p:nvSpPr>
-          <p:cNvPr id="2" name="제목 1"/>
-          <p:cNvSpPr>
-            <a:spLocks noGrp="1"/>
-          </p:cNvSpPr>
-          <p:nvPr>
-            <p:ph type="title"/>
-          </p:nvPr>
-        </p:nvSpPr>
-        <p:spPr/>
-        <p:txBody>
-          <a:bodyPr/>
-          <a:lstStyle/>
-          <a:p>
-            <a:r>
-              <a:rPr lang="en-US" altLang="ko-KR" dirty="0" err="1" smtClean="0"/>
-              <a:t>Tjon</a:t>
-            </a:r>
-            <a:r>
-              <a:rPr lang="en-US" altLang="ko-KR" dirty="0" smtClean="0"/>
-              <a:t> line</a:t>
-            </a:r>
-            <a:endParaRPr lang="ko-KR" altLang="en-US" dirty="0"/>
-          </a:p>
-        </p:txBody>
-      </p:sp>
-      <p:pic>
-        <p:nvPicPr>
-          <p:cNvPr id="3" name="그림 2"/>
-          <p:cNvPicPr>
-            <a:picLocks noChangeAspect="1"/>
-          </p:cNvPicPr>
-          <p:nvPr/>
-        </p:nvPicPr>
-        <p:blipFill>
-          <a:blip r:embed="rId2"/>
-          <a:stretch>
-            <a:fillRect/>
-          </a:stretch>
-        </p:blipFill>
-        <p:spPr>
-          <a:xfrm>
-            <a:off x="272407" y="1736436"/>
-            <a:ext cx="5364088" cy="4488545"/>
-          </a:xfrm>
-          <a:prstGeom prst="rect">
-            <a:avLst/>
-          </a:prstGeom>
-        </p:spPr>
-      </p:pic>
-      <p:sp>
-        <p:nvSpPr>
-          <p:cNvPr id="4" name="TextBox 3"/>
-          <p:cNvSpPr txBox="1"/>
-          <p:nvPr/>
-        </p:nvSpPr>
-        <p:spPr>
-          <a:xfrm>
-            <a:off x="6132945" y="1985818"/>
-            <a:ext cx="3417455" cy="2122889"/>
-          </a:xfrm>
-          <a:prstGeom prst="rect">
-            <a:avLst/>
-          </a:prstGeom>
-          <a:noFill/>
-        </p:spPr>
-        <p:txBody>
-          <a:bodyPr wrap="square" rtlCol="0">
-            <a:spAutoFit/>
-          </a:bodyPr>
-          <a:lstStyle/>
-          <a:p>
-            <a:r>
-              <a:rPr lang="en-US" altLang="ko-KR" dirty="0" smtClean="0"/>
-              <a:t>Open symbols: chiral EFT</a:t>
-            </a:r>
-          </a:p>
-          <a:p>
-            <a:r>
-              <a:rPr lang="en-US" altLang="ko-KR" dirty="0" smtClean="0"/>
-              <a:t>(non-perturbative LO</a:t>
-            </a:r>
-          </a:p>
-          <a:p>
-            <a:r>
-              <a:rPr lang="en-US" altLang="ko-KR" dirty="0" smtClean="0"/>
-              <a:t>+ perturbative higher orders)</a:t>
-            </a:r>
-          </a:p>
-          <a:p>
-            <a:endParaRPr lang="en-US" altLang="ko-KR" dirty="0"/>
-          </a:p>
-          <a:p>
-            <a:r>
-              <a:rPr lang="en-US" altLang="ko-KR" dirty="0" smtClean="0"/>
-              <a:t>Closed symbols: W.M. </a:t>
-            </a:r>
-          </a:p>
-          <a:p>
-            <a:r>
-              <a:rPr lang="en-US" altLang="ko-KR" dirty="0" smtClean="0"/>
-              <a:t>(non-perturbative H’</a:t>
-            </a:r>
-          </a:p>
-          <a:p>
-            <a:r>
-              <a:rPr lang="en-US" altLang="ko-KR" dirty="0" smtClean="0"/>
-              <a:t>+perturbative higher orders)</a:t>
-            </a:r>
-            <a:endParaRPr lang="ko-KR" altLang="en-US" dirty="0"/>
-          </a:p>
-        </p:txBody>
-      </p:sp>
-      <p:sp>
-        <p:nvSpPr>
-          <p:cNvPr id="5" name="직사각형 4"/>
-          <p:cNvSpPr/>
-          <p:nvPr/>
-        </p:nvSpPr>
-        <p:spPr>
-          <a:xfrm>
-            <a:off x="7136303" y="5559721"/>
-            <a:ext cx="2654243" cy="646331"/>
-          </a:xfrm>
-          <a:prstGeom prst="rect">
-            <a:avLst/>
-          </a:prstGeom>
-          <a:noFill/>
-        </p:spPr>
-        <p:txBody>
-          <a:bodyPr wrap="square" lIns="91440" tIns="45720" rIns="91440" bIns="45720">
-            <a:spAutoFit/>
-          </a:bodyPr>
-          <a:lstStyle/>
-          <a:p>
-            <a:pPr algn="ctr"/>
-            <a:r>
-              <a:rPr lang="en-US" altLang="ko-KR" sz="3600" b="0" cap="none" spc="0" dirty="0" smtClean="0">
-                <a:ln w="0"/>
-                <a:solidFill>
-                  <a:srgbClr val="FF0000"/>
-                </a:solidFill>
-                <a:effectLst>
-                  <a:outerShdw blurRad="38100" dist="19050" dir="2700000" algn="tl" rotWithShape="0">
-                    <a:schemeClr val="dk1">
-                      <a:alpha val="40000"/>
-                    </a:schemeClr>
-                  </a:outerShdw>
-                </a:effectLst>
-              </a:rPr>
-              <a:t>Preliminary</a:t>
-            </a:r>
-            <a:endParaRPr lang="en-US" altLang="ko-KR" sz="3600" b="0" cap="none" spc="0" dirty="0">
-              <a:ln w="0"/>
-              <a:solidFill>
-                <a:srgbClr val="FF0000"/>
-              </a:solidFill>
-              <a:effectLst>
-                <a:outerShdw blurRad="38100" dist="19050" dir="2700000" algn="tl" rotWithShape="0">
-                  <a:schemeClr val="dk1">
-                    <a:alpha val="40000"/>
-                  </a:schemeClr>
-                </a:outerShdw>
-              </a:effectLst>
-            </a:endParaRPr>
-          </a:p>
-        </p:txBody>
-      </p:sp>
-    </p:spTree>
-    <p:extLst>
-      <p:ext uri="{BB962C8B-B14F-4D97-AF65-F5344CB8AC3E}">
-        <p14:creationId xmlns:p14="http://schemas.microsoft.com/office/powerpoint/2010/main" val="299558142"/>
-      </p:ext>
-    </p:extLst>
-  </p:cSld>
-  <p:clrMapOvr>
-    <a:masterClrMapping/>
-  </p:clrMapOvr>
-  <p:timing>
-    <p:tnLst>
-      <p:par>
-        <p:cTn id="1" dur="indefinite" restart="never" nodeType="tmRoot"/>
-      </p:par>
-    </p:tnLst>
-  </p:timing>
-</p:sld>
-</file>
-
-<file path=ppt/slides/slide25.xml><?xml version="1.0" encoding="utf-8"?>
-<p:sld xmlns:a="http://schemas.openxmlformats.org/drawingml/2006/main" xmlns:r="http://schemas.openxmlformats.org/officeDocument/2006/relationships" xmlns:p="http://schemas.openxmlformats.org/presentationml/2006/main">
-  <p:cSld>
-    <p:spTree>
-      <p:nvGrpSpPr>
-        <p:cNvPr id="1" name=""/>
-        <p:cNvGrpSpPr/>
-        <p:nvPr/>
-      </p:nvGrpSpPr>
-      <p:grpSpPr>
-        <a:xfrm>
-          <a:off x="0" y="0"/>
-          <a:ext cx="0" cy="0"/>
-          <a:chOff x="0" y="0"/>
-          <a:chExt cx="0" cy="0"/>
-        </a:xfrm>
-      </p:grpSpPr>
-      <p:sp>
-        <p:nvSpPr>
-          <p:cNvPr id="2" name="제목 1"/>
-          <p:cNvSpPr>
-            <a:spLocks noGrp="1"/>
-          </p:cNvSpPr>
-          <p:nvPr>
-            <p:ph type="title"/>
-          </p:nvPr>
-        </p:nvSpPr>
-        <p:spPr/>
-        <p:txBody>
-          <a:bodyPr/>
-          <a:lstStyle/>
-          <a:p>
-            <a:r>
-              <a:rPr lang="en-US" altLang="ko-KR" dirty="0" smtClean="0"/>
               <a:t>BE/A from WFM</a:t>
             </a:r>
             <a:endParaRPr lang="ko-KR" altLang="en-US" dirty="0"/>
@@ -20854,7 +20723,7 @@
 </p:sld>
 </file>
 
-<file path=ppt/slides/slide26.xml><?xml version="1.0" encoding="utf-8"?>
+<file path=ppt/slides/slide24.xml><?xml version="1.0" encoding="utf-8"?>
 <p:sld xmlns:a="http://schemas.openxmlformats.org/drawingml/2006/main" xmlns:r="http://schemas.openxmlformats.org/officeDocument/2006/relationships" xmlns:p="http://schemas.openxmlformats.org/presentationml/2006/main">
   <p:cSld>
     <p:spTree>
@@ -20934,8 +20803,8 @@
         </p:blipFill>
         <p:spPr>
           <a:xfrm>
-            <a:off x="668339" y="4341091"/>
-            <a:ext cx="6367396" cy="2255838"/>
+            <a:off x="893654" y="4273478"/>
+            <a:ext cx="5987438" cy="2121227"/>
           </a:xfrm>
           <a:prstGeom prst="rect">
             <a:avLst/>
@@ -20997,10 +20866,375 @@
           </a:p>
         </p:txBody>
       </p:sp>
+      <p:pic>
+        <p:nvPicPr>
+          <p:cNvPr id="6" name="그림 5"/>
+          <p:cNvPicPr>
+            <a:picLocks noChangeAspect="1"/>
+          </p:cNvPicPr>
+          <p:nvPr/>
+        </p:nvPicPr>
+        <p:blipFill>
+          <a:blip r:embed="rId4"/>
+          <a:stretch>
+            <a:fillRect/>
+          </a:stretch>
+        </p:blipFill>
+        <p:spPr>
+          <a:xfrm>
+            <a:off x="6948591" y="3123955"/>
+            <a:ext cx="2957409" cy="1934369"/>
+          </a:xfrm>
+          <a:prstGeom prst="rect">
+            <a:avLst/>
+          </a:prstGeom>
+        </p:spPr>
+      </p:pic>
     </p:spTree>
     <p:extLst>
       <p:ext uri="{BB962C8B-B14F-4D97-AF65-F5344CB8AC3E}">
         <p14:creationId xmlns:p14="http://schemas.microsoft.com/office/powerpoint/2010/main" val="3606104472"/>
+      </p:ext>
+    </p:extLst>
+  </p:cSld>
+  <p:clrMapOvr>
+    <a:masterClrMapping/>
+  </p:clrMapOvr>
+  <p:timing>
+    <p:tnLst>
+      <p:par>
+        <p:cTn id="1" dur="indefinite" restart="never" nodeType="tmRoot"/>
+      </p:par>
+    </p:tnLst>
+  </p:timing>
+</p:sld>
+</file>
+
+<file path=ppt/slides/slide25.xml><?xml version="1.0" encoding="utf-8"?>
+<p:sld xmlns:a="http://schemas.openxmlformats.org/drawingml/2006/main" xmlns:r="http://schemas.openxmlformats.org/officeDocument/2006/relationships" xmlns:p="http://schemas.openxmlformats.org/presentationml/2006/main">
+  <p:cSld>
+    <p:spTree>
+      <p:nvGrpSpPr>
+        <p:cNvPr id="1" name=""/>
+        <p:cNvGrpSpPr/>
+        <p:nvPr/>
+      </p:nvGrpSpPr>
+      <p:grpSpPr>
+        <a:xfrm>
+          <a:off x="0" y="0"/>
+          <a:ext cx="0" cy="0"/>
+          <a:chOff x="0" y="0"/>
+          <a:chExt cx="0" cy="0"/>
+        </a:xfrm>
+      </p:grpSpPr>
+      <p:sp>
+        <p:nvSpPr>
+          <p:cNvPr id="2" name="제목 1"/>
+          <p:cNvSpPr>
+            <a:spLocks noGrp="1"/>
+          </p:cNvSpPr>
+          <p:nvPr>
+            <p:ph type="title"/>
+          </p:nvPr>
+        </p:nvSpPr>
+        <p:spPr/>
+        <p:txBody>
+          <a:bodyPr/>
+          <a:lstStyle/>
+          <a:p>
+            <a:r>
+              <a:rPr lang="en-US" altLang="ko-KR" dirty="0" smtClean="0"/>
+              <a:t>Charge Radius</a:t>
+            </a:r>
+            <a:endParaRPr lang="ko-KR" altLang="en-US" dirty="0"/>
+          </a:p>
+        </p:txBody>
+      </p:sp>
+      <p:pic>
+        <p:nvPicPr>
+          <p:cNvPr id="3" name="그림 2"/>
+          <p:cNvPicPr>
+            <a:picLocks noChangeAspect="1"/>
+          </p:cNvPicPr>
+          <p:nvPr/>
+        </p:nvPicPr>
+        <p:blipFill>
+          <a:blip r:embed="rId2"/>
+          <a:stretch>
+            <a:fillRect/>
+          </a:stretch>
+        </p:blipFill>
+        <p:spPr>
+          <a:xfrm>
+            <a:off x="572655" y="1705842"/>
+            <a:ext cx="8465358" cy="4321229"/>
+          </a:xfrm>
+          <a:prstGeom prst="rect">
+            <a:avLst/>
+          </a:prstGeom>
+        </p:spPr>
+      </p:pic>
+      <p:sp>
+        <p:nvSpPr>
+          <p:cNvPr id="4" name="직사각형 3"/>
+          <p:cNvSpPr/>
+          <p:nvPr/>
+        </p:nvSpPr>
+        <p:spPr>
+          <a:xfrm>
+            <a:off x="7136303" y="5986244"/>
+            <a:ext cx="2654243" cy="646331"/>
+          </a:xfrm>
+          <a:prstGeom prst="rect">
+            <a:avLst/>
+          </a:prstGeom>
+          <a:noFill/>
+        </p:spPr>
+        <p:txBody>
+          <a:bodyPr wrap="square" lIns="91440" tIns="45720" rIns="91440" bIns="45720">
+            <a:spAutoFit/>
+          </a:bodyPr>
+          <a:lstStyle/>
+          <a:p>
+            <a:pPr algn="ctr"/>
+            <a:r>
+              <a:rPr lang="en-US" altLang="ko-KR" sz="3600" b="0" cap="none" spc="0" dirty="0" smtClean="0">
+                <a:ln w="0"/>
+                <a:solidFill>
+                  <a:srgbClr val="FF0000"/>
+                </a:solidFill>
+                <a:effectLst>
+                  <a:outerShdw blurRad="38100" dist="19050" dir="2700000" algn="tl" rotWithShape="0">
+                    <a:schemeClr val="dk1">
+                      <a:alpha val="40000"/>
+                    </a:schemeClr>
+                  </a:outerShdw>
+                </a:effectLst>
+              </a:rPr>
+              <a:t>Preliminary</a:t>
+            </a:r>
+            <a:endParaRPr lang="en-US" altLang="ko-KR" sz="3600" b="0" cap="none" spc="0" dirty="0">
+              <a:ln w="0"/>
+              <a:solidFill>
+                <a:srgbClr val="FF0000"/>
+              </a:solidFill>
+              <a:effectLst>
+                <a:outerShdw blurRad="38100" dist="19050" dir="2700000" algn="tl" rotWithShape="0">
+                  <a:schemeClr val="dk1">
+                    <a:alpha val="40000"/>
+                  </a:schemeClr>
+                </a:outerShdw>
+              </a:effectLst>
+            </a:endParaRPr>
+          </a:p>
+        </p:txBody>
+      </p:sp>
+    </p:spTree>
+    <p:extLst>
+      <p:ext uri="{BB962C8B-B14F-4D97-AF65-F5344CB8AC3E}">
+        <p14:creationId xmlns:p14="http://schemas.microsoft.com/office/powerpoint/2010/main" val="4111254820"/>
+      </p:ext>
+    </p:extLst>
+  </p:cSld>
+  <p:clrMapOvr>
+    <a:masterClrMapping/>
+  </p:clrMapOvr>
+  <p:timing>
+    <p:tnLst>
+      <p:par>
+        <p:cTn id="1" dur="indefinite" restart="never" nodeType="tmRoot"/>
+      </p:par>
+    </p:tnLst>
+  </p:timing>
+</p:sld>
+</file>
+
+<file path=ppt/slides/slide26.xml><?xml version="1.0" encoding="utf-8"?>
+<p:sld xmlns:a="http://schemas.openxmlformats.org/drawingml/2006/main" xmlns:r="http://schemas.openxmlformats.org/officeDocument/2006/relationships" xmlns:p="http://schemas.openxmlformats.org/presentationml/2006/main">
+  <p:cSld>
+    <p:spTree>
+      <p:nvGrpSpPr>
+        <p:cNvPr id="1" name=""/>
+        <p:cNvGrpSpPr/>
+        <p:nvPr/>
+      </p:nvGrpSpPr>
+      <p:grpSpPr>
+        <a:xfrm>
+          <a:off x="0" y="0"/>
+          <a:ext cx="0" cy="0"/>
+          <a:chOff x="0" y="0"/>
+          <a:chExt cx="0" cy="0"/>
+        </a:xfrm>
+      </p:grpSpPr>
+      <p:sp>
+        <p:nvSpPr>
+          <p:cNvPr id="2" name="제목 1"/>
+          <p:cNvSpPr>
+            <a:spLocks noGrp="1"/>
+          </p:cNvSpPr>
+          <p:nvPr>
+            <p:ph type="title"/>
+          </p:nvPr>
+        </p:nvSpPr>
+        <p:spPr/>
+        <p:txBody>
+          <a:bodyPr/>
+          <a:lstStyle/>
+          <a:p>
+            <a:r>
+              <a:rPr lang="en-US" altLang="ko-KR" dirty="0" smtClean="0"/>
+              <a:t>Nuclear/Neutron Matter</a:t>
+            </a:r>
+            <a:endParaRPr lang="ko-KR" altLang="en-US" dirty="0"/>
+          </a:p>
+        </p:txBody>
+      </p:sp>
+      <p:pic>
+        <p:nvPicPr>
+          <p:cNvPr id="3" name="그림 2"/>
+          <p:cNvPicPr>
+            <a:picLocks noChangeAspect="1"/>
+          </p:cNvPicPr>
+          <p:nvPr/>
+        </p:nvPicPr>
+        <p:blipFill>
+          <a:blip r:embed="rId2"/>
+          <a:stretch>
+            <a:fillRect/>
+          </a:stretch>
+        </p:blipFill>
+        <p:spPr>
+          <a:xfrm>
+            <a:off x="580002" y="1784668"/>
+            <a:ext cx="5227074" cy="4427431"/>
+          </a:xfrm>
+          <a:prstGeom prst="rect">
+            <a:avLst/>
+          </a:prstGeom>
+        </p:spPr>
+      </p:pic>
+      <p:sp>
+        <p:nvSpPr>
+          <p:cNvPr id="4" name="TextBox 3"/>
+          <p:cNvSpPr txBox="1"/>
+          <p:nvPr/>
+        </p:nvSpPr>
+        <p:spPr>
+          <a:xfrm>
+            <a:off x="6354618" y="1948873"/>
+            <a:ext cx="2846532" cy="2122889"/>
+          </a:xfrm>
+          <a:prstGeom prst="rect">
+            <a:avLst/>
+          </a:prstGeom>
+          <a:noFill/>
+        </p:spPr>
+        <p:txBody>
+          <a:bodyPr wrap="square" rtlCol="0">
+            <a:spAutoFit/>
+          </a:bodyPr>
+          <a:lstStyle/>
+          <a:p>
+            <a:r>
+              <a:rPr lang="en-US" altLang="ko-KR" dirty="0" smtClean="0"/>
+              <a:t>Neutron matter: </a:t>
+            </a:r>
+          </a:p>
+          <a:p>
+            <a:r>
+              <a:rPr lang="en-US" altLang="ko-KR" dirty="0" smtClean="0"/>
+              <a:t>A=4~80</a:t>
+            </a:r>
+          </a:p>
+          <a:p>
+            <a:r>
+              <a:rPr lang="en-US" altLang="ko-KR" dirty="0" smtClean="0"/>
+              <a:t>box size 6.6 ~ 13.2  fm. </a:t>
+            </a:r>
+          </a:p>
+          <a:p>
+            <a:endParaRPr lang="en-US" altLang="ko-KR" dirty="0" smtClean="0"/>
+          </a:p>
+          <a:p>
+            <a:r>
+              <a:rPr lang="en-US" altLang="ko-KR" dirty="0" smtClean="0"/>
+              <a:t>Nuclear matter:</a:t>
+            </a:r>
+          </a:p>
+          <a:p>
+            <a:r>
+              <a:rPr lang="en-US" altLang="ko-KR" dirty="0" smtClean="0"/>
+              <a:t>A=4 ~ 160</a:t>
+            </a:r>
+          </a:p>
+          <a:p>
+            <a:r>
+              <a:rPr lang="en-US" altLang="ko-KR" dirty="0" smtClean="0"/>
+              <a:t>Box size 7.92~9.24 fm. </a:t>
+            </a:r>
+            <a:endParaRPr lang="ko-KR" altLang="en-US" dirty="0"/>
+          </a:p>
+        </p:txBody>
+      </p:sp>
+      <p:sp>
+        <p:nvSpPr>
+          <p:cNvPr id="5" name="직사각형 4"/>
+          <p:cNvSpPr/>
+          <p:nvPr/>
+        </p:nvSpPr>
+        <p:spPr>
+          <a:xfrm>
+            <a:off x="7136303" y="5559721"/>
+            <a:ext cx="2654243" cy="646331"/>
+          </a:xfrm>
+          <a:prstGeom prst="rect">
+            <a:avLst/>
+          </a:prstGeom>
+          <a:noFill/>
+        </p:spPr>
+        <p:txBody>
+          <a:bodyPr wrap="square" lIns="91440" tIns="45720" rIns="91440" bIns="45720">
+            <a:spAutoFit/>
+          </a:bodyPr>
+          <a:lstStyle/>
+          <a:p>
+            <a:pPr algn="ctr"/>
+            <a:r>
+              <a:rPr lang="en-US" altLang="ko-KR" sz="3600" b="0" cap="none" spc="0" dirty="0" smtClean="0">
+                <a:ln w="0"/>
+                <a:solidFill>
+                  <a:srgbClr val="FF0000"/>
+                </a:solidFill>
+                <a:effectLst>
+                  <a:outerShdw blurRad="38100" dist="19050" dir="2700000" algn="tl" rotWithShape="0">
+                    <a:schemeClr val="dk1">
+                      <a:alpha val="40000"/>
+                    </a:schemeClr>
+                  </a:outerShdw>
+                </a:effectLst>
+              </a:rPr>
+              <a:t>Preliminary</a:t>
+            </a:r>
+            <a:endParaRPr lang="en-US" altLang="ko-KR" sz="3600" b="0" cap="none" spc="0" dirty="0">
+              <a:ln w="0"/>
+              <a:solidFill>
+                <a:srgbClr val="FF0000"/>
+              </a:solidFill>
+              <a:effectLst>
+                <a:outerShdw blurRad="38100" dist="19050" dir="2700000" algn="tl" rotWithShape="0">
+                  <a:schemeClr val="dk1">
+                    <a:alpha val="40000"/>
+                  </a:schemeClr>
+                </a:outerShdw>
+              </a:effectLst>
+            </a:endParaRPr>
+          </a:p>
+        </p:txBody>
+      </p:sp>
+    </p:spTree>
+    <p:extLst>
+      <p:ext uri="{BB962C8B-B14F-4D97-AF65-F5344CB8AC3E}">
+        <p14:creationId xmlns:p14="http://schemas.microsoft.com/office/powerpoint/2010/main" val="994957564"/>
       </p:ext>
     </p:extLst>
   </p:cSld>
@@ -21050,37 +21284,13 @@
           <a:lstStyle/>
           <a:p>
             <a:r>
-              <a:rPr lang="en-US" altLang="ko-KR" dirty="0" smtClean="0"/>
-              <a:t>Charge Radius</a:t>
+              <a:rPr lang="en-US" altLang="ko-KR" dirty="0"/>
+              <a:t>Oxygen isotopes in NLEFT</a:t>
             </a:r>
             <a:endParaRPr lang="ko-KR" altLang="en-US" dirty="0"/>
           </a:p>
         </p:txBody>
       </p:sp>
-      <p:pic>
-        <p:nvPicPr>
-          <p:cNvPr id="3" name="그림 2"/>
-          <p:cNvPicPr>
-            <a:picLocks noChangeAspect="1"/>
-          </p:cNvPicPr>
-          <p:nvPr/>
-        </p:nvPicPr>
-        <p:blipFill>
-          <a:blip r:embed="rId2"/>
-          <a:stretch>
-            <a:fillRect/>
-          </a:stretch>
-        </p:blipFill>
-        <p:spPr>
-          <a:xfrm>
-            <a:off x="572655" y="1705842"/>
-            <a:ext cx="8465358" cy="4321229"/>
-          </a:xfrm>
-          <a:prstGeom prst="rect">
-            <a:avLst/>
-          </a:prstGeom>
-        </p:spPr>
-      </p:pic>
       <p:sp>
         <p:nvSpPr>
           <p:cNvPr id="4" name="직사각형 3"/>
@@ -21089,8 +21299,8 @@
         </p:nvSpPr>
         <p:spPr>
           <a:xfrm>
-            <a:off x="7136303" y="5986244"/>
-            <a:ext cx="2654243" cy="646331"/>
+            <a:off x="7068761" y="6028824"/>
+            <a:ext cx="2740257" cy="646331"/>
           </a:xfrm>
           <a:prstGeom prst="rect">
             <a:avLst/>
@@ -21136,337 +21346,6 @@
           </a:p>
         </p:txBody>
       </p:sp>
-    </p:spTree>
-    <p:extLst>
-      <p:ext uri="{BB962C8B-B14F-4D97-AF65-F5344CB8AC3E}">
-        <p14:creationId xmlns:p14="http://schemas.microsoft.com/office/powerpoint/2010/main" val="4111254820"/>
-      </p:ext>
-    </p:extLst>
-  </p:cSld>
-  <p:clrMapOvr>
-    <a:masterClrMapping/>
-  </p:clrMapOvr>
-  <p:timing>
-    <p:tnLst>
-      <p:par>
-        <p:cTn id="1" dur="indefinite" restart="never" nodeType="tmRoot"/>
-      </p:par>
-    </p:tnLst>
-  </p:timing>
-</p:sld>
-</file>
-
-<file path=ppt/slides/slide28.xml><?xml version="1.0" encoding="utf-8"?>
-<p:sld xmlns:a="http://schemas.openxmlformats.org/drawingml/2006/main" xmlns:r="http://schemas.openxmlformats.org/officeDocument/2006/relationships" xmlns:p="http://schemas.openxmlformats.org/presentationml/2006/main">
-  <p:cSld>
-    <p:spTree>
-      <p:nvGrpSpPr>
-        <p:cNvPr id="1" name=""/>
-        <p:cNvGrpSpPr/>
-        <p:nvPr/>
-      </p:nvGrpSpPr>
-      <p:grpSpPr>
-        <a:xfrm>
-          <a:off x="0" y="0"/>
-          <a:ext cx="0" cy="0"/>
-          <a:chOff x="0" y="0"/>
-          <a:chExt cx="0" cy="0"/>
-        </a:xfrm>
-      </p:grpSpPr>
-      <p:sp>
-        <p:nvSpPr>
-          <p:cNvPr id="2" name="제목 1"/>
-          <p:cNvSpPr>
-            <a:spLocks noGrp="1"/>
-          </p:cNvSpPr>
-          <p:nvPr>
-            <p:ph type="title"/>
-          </p:nvPr>
-        </p:nvSpPr>
-        <p:spPr/>
-        <p:txBody>
-          <a:bodyPr/>
-          <a:lstStyle/>
-          <a:p>
-            <a:r>
-              <a:rPr lang="en-US" altLang="ko-KR" dirty="0" smtClean="0"/>
-              <a:t>Nuclear/Neutron Matter</a:t>
-            </a:r>
-            <a:endParaRPr lang="ko-KR" altLang="en-US" dirty="0"/>
-          </a:p>
-        </p:txBody>
-      </p:sp>
-      <p:pic>
-        <p:nvPicPr>
-          <p:cNvPr id="3" name="그림 2"/>
-          <p:cNvPicPr>
-            <a:picLocks noChangeAspect="1"/>
-          </p:cNvPicPr>
-          <p:nvPr/>
-        </p:nvPicPr>
-        <p:blipFill>
-          <a:blip r:embed="rId2"/>
-          <a:stretch>
-            <a:fillRect/>
-          </a:stretch>
-        </p:blipFill>
-        <p:spPr>
-          <a:xfrm>
-            <a:off x="580002" y="1784668"/>
-            <a:ext cx="5227074" cy="4427431"/>
-          </a:xfrm>
-          <a:prstGeom prst="rect">
-            <a:avLst/>
-          </a:prstGeom>
-        </p:spPr>
-      </p:pic>
-      <p:sp>
-        <p:nvSpPr>
-          <p:cNvPr id="4" name="TextBox 3"/>
-          <p:cNvSpPr txBox="1"/>
-          <p:nvPr/>
-        </p:nvSpPr>
-        <p:spPr>
-          <a:xfrm>
-            <a:off x="6354618" y="1948873"/>
-            <a:ext cx="2846532" cy="2122889"/>
-          </a:xfrm>
-          <a:prstGeom prst="rect">
-            <a:avLst/>
-          </a:prstGeom>
-          <a:noFill/>
-        </p:spPr>
-        <p:txBody>
-          <a:bodyPr wrap="square" rtlCol="0">
-            <a:spAutoFit/>
-          </a:bodyPr>
-          <a:lstStyle/>
-          <a:p>
-            <a:r>
-              <a:rPr lang="en-US" altLang="ko-KR" dirty="0" smtClean="0"/>
-              <a:t>Neutron matter: </a:t>
-            </a:r>
-            <a:endParaRPr lang="en-US" altLang="ko-KR" dirty="0" smtClean="0"/>
-          </a:p>
-          <a:p>
-            <a:r>
-              <a:rPr lang="en-US" altLang="ko-KR" dirty="0" smtClean="0"/>
-              <a:t>A=4~80</a:t>
-            </a:r>
-            <a:endParaRPr lang="en-US" altLang="ko-KR" dirty="0" smtClean="0"/>
-          </a:p>
-          <a:p>
-            <a:r>
-              <a:rPr lang="en-US" altLang="ko-KR" dirty="0" smtClean="0"/>
-              <a:t>box </a:t>
-            </a:r>
-            <a:r>
-              <a:rPr lang="en-US" altLang="ko-KR" dirty="0" smtClean="0"/>
-              <a:t>size 6.6 ~ 13.2  </a:t>
-            </a:r>
-            <a:r>
-              <a:rPr lang="en-US" altLang="ko-KR" dirty="0" smtClean="0"/>
-              <a:t>fm. </a:t>
-            </a:r>
-          </a:p>
-          <a:p>
-            <a:endParaRPr lang="en-US" altLang="ko-KR" dirty="0" smtClean="0"/>
-          </a:p>
-          <a:p>
-            <a:r>
-              <a:rPr lang="en-US" altLang="ko-KR" dirty="0" smtClean="0"/>
-              <a:t>Nuclear matter:</a:t>
-            </a:r>
-          </a:p>
-          <a:p>
-            <a:r>
-              <a:rPr lang="en-US" altLang="ko-KR" dirty="0" smtClean="0"/>
-              <a:t>A=4 ~ 160</a:t>
-            </a:r>
-          </a:p>
-          <a:p>
-            <a:r>
-              <a:rPr lang="en-US" altLang="ko-KR" dirty="0" smtClean="0"/>
-              <a:t>Box size 7.92~9.24 fm.</a:t>
-            </a:r>
-            <a:r>
-              <a:rPr lang="en-US" altLang="ko-KR" dirty="0" smtClean="0"/>
-              <a:t> </a:t>
-            </a:r>
-            <a:endParaRPr lang="ko-KR" altLang="en-US" dirty="0"/>
-          </a:p>
-        </p:txBody>
-      </p:sp>
-      <p:sp>
-        <p:nvSpPr>
-          <p:cNvPr id="5" name="직사각형 4"/>
-          <p:cNvSpPr/>
-          <p:nvPr/>
-        </p:nvSpPr>
-        <p:spPr>
-          <a:xfrm>
-            <a:off x="7136303" y="5559721"/>
-            <a:ext cx="2654243" cy="646331"/>
-          </a:xfrm>
-          <a:prstGeom prst="rect">
-            <a:avLst/>
-          </a:prstGeom>
-          <a:noFill/>
-        </p:spPr>
-        <p:txBody>
-          <a:bodyPr wrap="square" lIns="91440" tIns="45720" rIns="91440" bIns="45720">
-            <a:spAutoFit/>
-          </a:bodyPr>
-          <a:lstStyle/>
-          <a:p>
-            <a:pPr algn="ctr"/>
-            <a:r>
-              <a:rPr lang="en-US" altLang="ko-KR" sz="3600" b="0" cap="none" spc="0" dirty="0" smtClean="0">
-                <a:ln w="0"/>
-                <a:solidFill>
-                  <a:srgbClr val="FF0000"/>
-                </a:solidFill>
-                <a:effectLst>
-                  <a:outerShdw blurRad="38100" dist="19050" dir="2700000" algn="tl" rotWithShape="0">
-                    <a:schemeClr val="dk1">
-                      <a:alpha val="40000"/>
-                    </a:schemeClr>
-                  </a:outerShdw>
-                </a:effectLst>
-              </a:rPr>
-              <a:t>Preliminary</a:t>
-            </a:r>
-            <a:endParaRPr lang="en-US" altLang="ko-KR" sz="3600" b="0" cap="none" spc="0" dirty="0">
-              <a:ln w="0"/>
-              <a:solidFill>
-                <a:srgbClr val="FF0000"/>
-              </a:solidFill>
-              <a:effectLst>
-                <a:outerShdw blurRad="38100" dist="19050" dir="2700000" algn="tl" rotWithShape="0">
-                  <a:schemeClr val="dk1">
-                    <a:alpha val="40000"/>
-                  </a:schemeClr>
-                </a:outerShdw>
-              </a:effectLst>
-            </a:endParaRPr>
-          </a:p>
-        </p:txBody>
-      </p:sp>
-    </p:spTree>
-    <p:extLst>
-      <p:ext uri="{BB962C8B-B14F-4D97-AF65-F5344CB8AC3E}">
-        <p14:creationId xmlns:p14="http://schemas.microsoft.com/office/powerpoint/2010/main" val="994957564"/>
-      </p:ext>
-    </p:extLst>
-  </p:cSld>
-  <p:clrMapOvr>
-    <a:masterClrMapping/>
-  </p:clrMapOvr>
-  <p:timing>
-    <p:tnLst>
-      <p:par>
-        <p:cTn id="1" dur="indefinite" restart="never" nodeType="tmRoot"/>
-      </p:par>
-    </p:tnLst>
-  </p:timing>
-</p:sld>
-</file>
-
-<file path=ppt/slides/slide29.xml><?xml version="1.0" encoding="utf-8"?>
-<p:sld xmlns:a="http://schemas.openxmlformats.org/drawingml/2006/main" xmlns:r="http://schemas.openxmlformats.org/officeDocument/2006/relationships" xmlns:p="http://schemas.openxmlformats.org/presentationml/2006/main">
-  <p:cSld>
-    <p:spTree>
-      <p:nvGrpSpPr>
-        <p:cNvPr id="1" name=""/>
-        <p:cNvGrpSpPr/>
-        <p:nvPr/>
-      </p:nvGrpSpPr>
-      <p:grpSpPr>
-        <a:xfrm>
-          <a:off x="0" y="0"/>
-          <a:ext cx="0" cy="0"/>
-          <a:chOff x="0" y="0"/>
-          <a:chExt cx="0" cy="0"/>
-        </a:xfrm>
-      </p:grpSpPr>
-      <p:sp>
-        <p:nvSpPr>
-          <p:cNvPr id="2" name="제목 1"/>
-          <p:cNvSpPr>
-            <a:spLocks noGrp="1"/>
-          </p:cNvSpPr>
-          <p:nvPr>
-            <p:ph type="title"/>
-          </p:nvPr>
-        </p:nvSpPr>
-        <p:spPr/>
-        <p:txBody>
-          <a:bodyPr/>
-          <a:lstStyle/>
-          <a:p>
-            <a:r>
-              <a:rPr lang="en-US" altLang="ko-KR" dirty="0"/>
-              <a:t>Oxygen isotopes in NLEFT</a:t>
-            </a:r>
-            <a:endParaRPr lang="ko-KR" altLang="en-US" dirty="0"/>
-          </a:p>
-        </p:txBody>
-      </p:sp>
-      <p:sp>
-        <p:nvSpPr>
-          <p:cNvPr id="4" name="직사각형 3"/>
-          <p:cNvSpPr/>
-          <p:nvPr/>
-        </p:nvSpPr>
-        <p:spPr>
-          <a:xfrm>
-            <a:off x="7068761" y="6028824"/>
-            <a:ext cx="2740257" cy="646331"/>
-          </a:xfrm>
-          <a:prstGeom prst="rect">
-            <a:avLst/>
-          </a:prstGeom>
-          <a:noFill/>
-        </p:spPr>
-        <p:txBody>
-          <a:bodyPr wrap="square" lIns="91440" tIns="45720" rIns="91440" bIns="45720">
-            <a:spAutoFit/>
-          </a:bodyPr>
-          <a:lstStyle/>
-          <a:p>
-            <a:pPr algn="ctr"/>
-            <a:r>
-              <a:rPr lang="en-US" altLang="ko-KR" sz="3600" b="0" cap="none" spc="0" dirty="0" smtClean="0">
-                <a:ln w="0"/>
-                <a:solidFill>
-                  <a:srgbClr val="FF0000"/>
-                </a:solidFill>
-                <a:effectLst>
-                  <a:outerShdw blurRad="38100" dist="19050" dir="2700000" algn="tl" rotWithShape="0">
-                    <a:schemeClr val="dk1">
-                      <a:alpha val="40000"/>
-                    </a:schemeClr>
-                  </a:outerShdw>
-                </a:effectLst>
-              </a:rPr>
-              <a:t>Preliminary</a:t>
-            </a:r>
-            <a:endParaRPr lang="en-US" altLang="ko-KR" sz="3600" b="0" cap="none" spc="0" dirty="0">
-              <a:ln w="0"/>
-              <a:solidFill>
-                <a:srgbClr val="FF0000"/>
-              </a:solidFill>
-              <a:effectLst>
-                <a:outerShdw blurRad="38100" dist="19050" dir="2700000" algn="tl" rotWithShape="0">
-                  <a:schemeClr val="dk1">
-                    <a:alpha val="40000"/>
-                  </a:schemeClr>
-                </a:outerShdw>
-              </a:effectLst>
-            </a:endParaRPr>
-          </a:p>
-        </p:txBody>
-      </p:sp>
       <p:sp>
         <p:nvSpPr>
           <p:cNvPr id="5" name="TextBox 4"/>
@@ -21476,7 +21355,7 @@
         <p:spPr>
           <a:xfrm>
             <a:off x="495300" y="1592262"/>
-            <a:ext cx="5597769" cy="1938992"/>
+            <a:ext cx="6257192" cy="1569660"/>
           </a:xfrm>
           <a:prstGeom prst="rect">
             <a:avLst/>
@@ -21578,6 +21457,200 @@
 </p:sld>
 </file>
 
+<file path=ppt/slides/slide28.xml><?xml version="1.0" encoding="utf-8"?>
+<p:sld xmlns:a="http://schemas.openxmlformats.org/drawingml/2006/main" xmlns:r="http://schemas.openxmlformats.org/officeDocument/2006/relationships" xmlns:p="http://schemas.openxmlformats.org/presentationml/2006/main">
+  <p:cSld>
+    <p:spTree>
+      <p:nvGrpSpPr>
+        <p:cNvPr id="1" name=""/>
+        <p:cNvGrpSpPr/>
+        <p:nvPr/>
+      </p:nvGrpSpPr>
+      <p:grpSpPr>
+        <a:xfrm>
+          <a:off x="0" y="0"/>
+          <a:ext cx="0" cy="0"/>
+          <a:chOff x="0" y="0"/>
+          <a:chExt cx="0" cy="0"/>
+        </a:xfrm>
+      </p:grpSpPr>
+      <p:sp>
+        <p:nvSpPr>
+          <p:cNvPr id="2" name="제목 1"/>
+          <p:cNvSpPr>
+            <a:spLocks noGrp="1"/>
+          </p:cNvSpPr>
+          <p:nvPr>
+            <p:ph type="title"/>
+          </p:nvPr>
+        </p:nvSpPr>
+        <p:spPr/>
+        <p:txBody>
+          <a:bodyPr/>
+          <a:lstStyle/>
+          <a:p>
+            <a:r>
+              <a:rPr lang="en-US" altLang="ko-KR" dirty="0" smtClean="0"/>
+              <a:t>Summary</a:t>
+            </a:r>
+            <a:endParaRPr lang="ko-KR" altLang="en-US" dirty="0"/>
+          </a:p>
+        </p:txBody>
+      </p:sp>
+      <p:sp>
+        <p:nvSpPr>
+          <p:cNvPr id="3" name="TextBox 2"/>
+          <p:cNvSpPr txBox="1"/>
+          <p:nvPr/>
+        </p:nvSpPr>
+        <p:spPr>
+          <a:xfrm>
+            <a:off x="668338" y="1699491"/>
+            <a:ext cx="8532812" cy="3863365"/>
+          </a:xfrm>
+          <a:prstGeom prst="rect">
+            <a:avLst/>
+          </a:prstGeom>
+          <a:noFill/>
+        </p:spPr>
+        <p:txBody>
+          <a:bodyPr wrap="square" rtlCol="0">
+            <a:spAutoFit/>
+          </a:bodyPr>
+          <a:lstStyle/>
+          <a:p>
+            <a:pPr marL="342900" indent="-342900">
+              <a:buFont typeface="Arial" panose="020B0604020202020204" pitchFamily="34" charset="0"/>
+              <a:buChar char="•"/>
+            </a:pPr>
+            <a:r>
+              <a:rPr lang="en-US" altLang="ko-KR" dirty="0" smtClean="0"/>
+              <a:t>Wave function matching method seems to be promising</a:t>
+            </a:r>
+          </a:p>
+          <a:p>
+            <a:pPr marL="821819" lvl="1" indent="-342900">
+              <a:buFont typeface="Arial" panose="020B0604020202020204" pitchFamily="34" charset="0"/>
+              <a:buChar char="•"/>
+            </a:pPr>
+            <a:r>
+              <a:rPr lang="en-US" altLang="ko-KR" dirty="0" smtClean="0"/>
+              <a:t>New method to improve the N3LO calculation of NLEFT</a:t>
+            </a:r>
+          </a:p>
+          <a:p>
+            <a:pPr marL="821819" lvl="1" indent="-342900">
+              <a:buFont typeface="Arial" panose="020B0604020202020204" pitchFamily="34" charset="0"/>
+              <a:buChar char="•"/>
+            </a:pPr>
+            <a:r>
+              <a:rPr lang="en-US" altLang="ko-KR" dirty="0" smtClean="0"/>
+              <a:t>Preliminary study shows promising results for wide range of observables</a:t>
+            </a:r>
+          </a:p>
+          <a:p>
+            <a:pPr marL="1300738" lvl="2" indent="-342900">
+              <a:buFont typeface="Arial" panose="020B0604020202020204" pitchFamily="34" charset="0"/>
+              <a:buChar char="•"/>
+            </a:pPr>
+            <a:r>
+              <a:rPr lang="en-US" altLang="ko-KR" dirty="0" smtClean="0"/>
+              <a:t>NN scattering</a:t>
+            </a:r>
+          </a:p>
+          <a:p>
+            <a:pPr marL="1300738" lvl="2" indent="-342900">
+              <a:buFont typeface="Arial" panose="020B0604020202020204" pitchFamily="34" charset="0"/>
+              <a:buChar char="•"/>
+            </a:pPr>
+            <a:r>
+              <a:rPr lang="en-US" altLang="ko-KR" dirty="0" smtClean="0"/>
+              <a:t>Binding energy (from 3H to 40Ca)</a:t>
+            </a:r>
+          </a:p>
+          <a:p>
+            <a:pPr marL="1300738" lvl="2" indent="-342900">
+              <a:buFont typeface="Arial" panose="020B0604020202020204" pitchFamily="34" charset="0"/>
+              <a:buChar char="•"/>
+            </a:pPr>
+            <a:r>
+              <a:rPr lang="en-US" altLang="ko-KR" dirty="0" smtClean="0"/>
+              <a:t>Symmetric Nuclear matter</a:t>
+            </a:r>
+          </a:p>
+          <a:p>
+            <a:pPr marL="1300738" lvl="2" indent="-342900">
+              <a:buFont typeface="Arial" panose="020B0604020202020204" pitchFamily="34" charset="0"/>
+              <a:buChar char="•"/>
+            </a:pPr>
+            <a:r>
+              <a:rPr lang="en-US" altLang="ko-KR" dirty="0" smtClean="0"/>
+              <a:t>Neutron matter</a:t>
+            </a:r>
+          </a:p>
+          <a:p>
+            <a:pPr marL="1300738" lvl="2" indent="-342900">
+              <a:buFont typeface="Arial" panose="020B0604020202020204" pitchFamily="34" charset="0"/>
+              <a:buChar char="•"/>
+            </a:pPr>
+            <a:r>
+              <a:rPr lang="en-US" altLang="ko-KR" dirty="0" smtClean="0"/>
+              <a:t>Dripline of Oxygen isotope.</a:t>
+            </a:r>
+          </a:p>
+          <a:p>
+            <a:pPr marL="1300738" lvl="2" indent="-342900">
+              <a:buFont typeface="Arial" panose="020B0604020202020204" pitchFamily="34" charset="0"/>
+              <a:buChar char="•"/>
+            </a:pPr>
+            <a:r>
+              <a:rPr lang="en-US" altLang="ko-KR" dirty="0" smtClean="0"/>
+              <a:t>Carbon excited states</a:t>
+            </a:r>
+          </a:p>
+          <a:p>
+            <a:pPr marL="342900" indent="-342900">
+              <a:buFont typeface="Arial" panose="020B0604020202020204" pitchFamily="34" charset="0"/>
+              <a:buChar char="•"/>
+            </a:pPr>
+            <a:r>
+              <a:rPr lang="en-US" altLang="ko-KR" dirty="0" smtClean="0"/>
+              <a:t>Further investigation on the finite volume effects is on-going. </a:t>
+            </a:r>
+          </a:p>
+          <a:p>
+            <a:pPr marL="342900" indent="-342900">
+              <a:buFont typeface="Arial" panose="020B0604020202020204" pitchFamily="34" charset="0"/>
+              <a:buChar char="•"/>
+            </a:pPr>
+            <a:r>
+              <a:rPr lang="en-US" altLang="ko-KR" dirty="0" smtClean="0"/>
+              <a:t>Also, Carbon isotopes, odd Oxygen isotopes, Cluster structure, excited states will be studied. </a:t>
+            </a:r>
+            <a:endParaRPr lang="ko-KR" altLang="en-US" dirty="0"/>
+          </a:p>
+        </p:txBody>
+      </p:sp>
+    </p:spTree>
+    <p:extLst>
+      <p:ext uri="{BB962C8B-B14F-4D97-AF65-F5344CB8AC3E}">
+        <p14:creationId xmlns:p14="http://schemas.microsoft.com/office/powerpoint/2010/main" val="855818657"/>
+      </p:ext>
+    </p:extLst>
+  </p:cSld>
+  <p:clrMapOvr>
+    <a:masterClrMapping/>
+  </p:clrMapOvr>
+  <p:timing>
+    <p:tnLst>
+      <p:par>
+        <p:cTn id="1" dur="indefinite" restart="never" nodeType="tmRoot"/>
+      </p:par>
+    </p:tnLst>
+  </p:timing>
+</p:sld>
+</file>
+
 <file path=ppt/slides/slide3.xml><?xml version="1.0" encoding="utf-8"?>
 <p:sld xmlns:a="http://schemas.openxmlformats.org/drawingml/2006/main" xmlns:r="http://schemas.openxmlformats.org/officeDocument/2006/relationships" xmlns:p="http://schemas.openxmlformats.org/presentationml/2006/main">
   <p:cSld>
@@ -21612,428 +21685,151 @@
           <a:p>
             <a:r>
               <a:rPr lang="en-US" altLang="ko-KR" dirty="0" smtClean="0"/>
-              <a:t>Ab initio approach</a:t>
+              <a:t>Ab initio many-body</a:t>
             </a:r>
             <a:endParaRPr lang="ko-KR" altLang="en-US" dirty="0"/>
           </a:p>
         </p:txBody>
       </p:sp>
-      <p:pic>
-        <p:nvPicPr>
-          <p:cNvPr id="4" name="내용 개체 틀 3"/>
-          <p:cNvPicPr>
-            <a:picLocks noGrp="1" noChangeAspect="1"/>
-          </p:cNvPicPr>
+      <p:sp>
+        <p:nvSpPr>
+          <p:cNvPr id="3" name="내용 개체 틀 2"/>
+          <p:cNvSpPr>
+            <a:spLocks noGrp="1"/>
+          </p:cNvSpPr>
           <p:nvPr>
             <p:ph idx="1"/>
           </p:nvPr>
-        </p:nvPicPr>
-        <p:blipFill>
-          <a:blip r:embed="rId2"/>
-          <a:stretch>
-            <a:fillRect/>
-          </a:stretch>
-        </p:blipFill>
-        <p:spPr>
-          <a:xfrm>
-            <a:off x="61336" y="1441576"/>
-            <a:ext cx="7058890" cy="5190999"/>
-          </a:xfrm>
-          <a:prstGeom prst="rect">
-            <a:avLst/>
-          </a:prstGeom>
-        </p:spPr>
-      </p:pic>
-      <p:sp>
-        <p:nvSpPr>
-          <p:cNvPr id="7" name="오른쪽 중괄호 6"/>
-          <p:cNvSpPr/>
-          <p:nvPr/>
-        </p:nvSpPr>
-        <p:spPr>
-          <a:xfrm>
-            <a:off x="6891626" y="3230563"/>
-            <a:ext cx="457200" cy="3276600"/>
-          </a:xfrm>
-          <a:prstGeom prst="rightBrace">
-            <a:avLst/>
-          </a:prstGeom>
-          <a:ln>
-            <a:solidFill>
-              <a:srgbClr val="0070C0"/>
-            </a:solidFill>
-          </a:ln>
-        </p:spPr>
-        <p:style>
-          <a:lnRef idx="1">
-            <a:schemeClr val="accent1"/>
-          </a:lnRef>
-          <a:fillRef idx="0">
-            <a:schemeClr val="accent1"/>
-          </a:fillRef>
-          <a:effectRef idx="0">
-            <a:schemeClr val="accent1"/>
-          </a:effectRef>
-          <a:fontRef idx="minor">
-            <a:schemeClr val="tx1"/>
-          </a:fontRef>
-        </p:style>
-        <p:txBody>
-          <a:bodyPr rtlCol="0" anchor="ctr"/>
-          <a:lstStyle/>
-          <a:p>
-            <a:pPr algn="ctr" defTabSz="914400" latinLnBrk="0"/>
-            <a:endParaRPr lang="ko-KR" altLang="en-US" sz="1800">
-              <a:solidFill>
-                <a:srgbClr val="292934"/>
-              </a:solidFill>
-              <a:latin typeface="Arial"/>
-              <a:ea typeface="돋움" panose="020B0600000101010101" pitchFamily="50" charset="-127"/>
-            </a:endParaRPr>
-          </a:p>
-        </p:txBody>
-      </p:sp>
-      <p:sp>
-        <p:nvSpPr>
-          <p:cNvPr id="8" name="TextBox 7"/>
-          <p:cNvSpPr txBox="1"/>
-          <p:nvPr/>
-        </p:nvSpPr>
-        <p:spPr>
-          <a:xfrm>
-            <a:off x="7535775" y="4629146"/>
-            <a:ext cx="729687" cy="646331"/>
-          </a:xfrm>
-          <a:prstGeom prst="rect">
-            <a:avLst/>
-          </a:prstGeom>
-          <a:solidFill>
-            <a:srgbClr val="FFFF00"/>
-          </a:solidFill>
-        </p:spPr>
-        <p:txBody>
-          <a:bodyPr wrap="none" rtlCol="0">
-            <a:spAutoFit/>
-          </a:bodyPr>
-          <a:lstStyle/>
-          <a:p>
-            <a:pPr defTabSz="914400" latinLnBrk="0"/>
-            <a:r>
-              <a:rPr lang="en-US" altLang="ko-KR" sz="1200" dirty="0">
+        </p:nvSpPr>
+        <p:spPr/>
+        <p:txBody>
+          <a:bodyPr/>
+          <a:lstStyle/>
+          <a:p>
+            <a:r>
+              <a:rPr lang="en-US" altLang="ko-KR" dirty="0" smtClean="0">
+                <a:sym typeface="Wingdings" panose="05000000000000000000" pitchFamily="2" charset="2"/>
+              </a:rPr>
+              <a:t>(ab initio) Nuclear physics is challenging.</a:t>
+            </a:r>
+          </a:p>
+          <a:p>
+            <a:r>
+              <a:rPr lang="en-US" altLang="ko-KR" dirty="0" smtClean="0">
+                <a:sym typeface="Wingdings" panose="05000000000000000000" pitchFamily="2" charset="2"/>
+              </a:rPr>
+              <a:t>Nuclear many body problem</a:t>
+            </a:r>
+          </a:p>
+          <a:p>
+            <a:pPr lvl="1"/>
+            <a:r>
+              <a:rPr lang="en-US" altLang="ko-KR" dirty="0" smtClean="0">
+                <a:sym typeface="Wingdings" panose="05000000000000000000" pitchFamily="2" charset="2"/>
+              </a:rPr>
+              <a:t>Requires Non-perturbative method.</a:t>
+            </a:r>
+          </a:p>
+          <a:p>
+            <a:pPr lvl="1"/>
+            <a:r>
+              <a:rPr lang="en-US" altLang="ko-KR" dirty="0" smtClean="0">
+                <a:sym typeface="Wingdings" panose="05000000000000000000" pitchFamily="2" charset="2"/>
+              </a:rPr>
+              <a:t>Ab-initio nuclear many body methods</a:t>
+            </a:r>
+          </a:p>
+          <a:p>
+            <a:pPr lvl="2"/>
+            <a:r>
+              <a:rPr lang="en-US" altLang="ko-KR" dirty="0" smtClean="0">
+                <a:sym typeface="Wingdings" panose="05000000000000000000" pitchFamily="2" charset="2"/>
+              </a:rPr>
+              <a:t>Greens function Monte Carlo(GFMC)</a:t>
+            </a:r>
+          </a:p>
+          <a:p>
+            <a:pPr lvl="2"/>
+            <a:r>
+              <a:rPr lang="en-US" altLang="ko-KR" dirty="0" smtClean="0">
+                <a:sym typeface="Wingdings" panose="05000000000000000000" pitchFamily="2" charset="2"/>
+              </a:rPr>
+              <a:t>No-core shell model(NCSM)</a:t>
+            </a:r>
+          </a:p>
+          <a:p>
+            <a:pPr lvl="2"/>
+            <a:r>
+              <a:rPr lang="en-US" altLang="ko-KR" dirty="0" smtClean="0">
+                <a:sym typeface="Wingdings" panose="05000000000000000000" pitchFamily="2" charset="2"/>
+              </a:rPr>
+              <a:t>Coupled Cluster (CC)</a:t>
+            </a:r>
+          </a:p>
+          <a:p>
+            <a:pPr lvl="2"/>
+            <a:r>
+              <a:rPr lang="en-US" altLang="ko-KR" dirty="0" smtClean="0">
+                <a:sym typeface="Wingdings" panose="05000000000000000000" pitchFamily="2" charset="2"/>
+              </a:rPr>
+              <a:t>IM-SRG, VS-SRG </a:t>
+            </a:r>
+          </a:p>
+          <a:p>
+            <a:pPr lvl="2"/>
+            <a:r>
+              <a:rPr lang="en-US" altLang="ko-KR" dirty="0" smtClean="0">
                 <a:solidFill>
-                  <a:srgbClr val="292934"/>
+                  <a:srgbClr val="FF0000"/>
                 </a:solidFill>
-                <a:latin typeface="Arial"/>
-                <a:ea typeface="돋움" panose="020B0600000101010101" pitchFamily="50" charset="-127"/>
+                <a:sym typeface="Wingdings" panose="05000000000000000000" pitchFamily="2" charset="2"/>
               </a:rPr>
-              <a:t>Ab initio</a:t>
-            </a:r>
-          </a:p>
-          <a:p>
-            <a:pPr defTabSz="914400" latinLnBrk="0"/>
-            <a:r>
-              <a:rPr lang="en-US" altLang="ko-KR" sz="1200" dirty="0">
-                <a:solidFill>
-                  <a:srgbClr val="292934"/>
-                </a:solidFill>
-                <a:latin typeface="Arial"/>
-                <a:ea typeface="돋움" panose="020B0600000101010101" pitchFamily="50" charset="-127"/>
+              <a:t>Nuclear Lattice Effective Field Theory(NLEFT)</a:t>
+            </a:r>
+          </a:p>
+          <a:p>
+            <a:pPr lvl="2"/>
+            <a:r>
+              <a:rPr lang="en-US" altLang="ko-KR" dirty="0" smtClean="0">
+                <a:sym typeface="Wingdings" panose="05000000000000000000" pitchFamily="2" charset="2"/>
               </a:rPr>
-              <a:t>Nuclear</a:t>
-            </a:r>
-          </a:p>
-          <a:p>
-            <a:pPr defTabSz="914400" latinLnBrk="0"/>
-            <a:r>
-              <a:rPr lang="en-US" altLang="ko-KR" sz="1200" dirty="0">
-                <a:solidFill>
-                  <a:srgbClr val="292934"/>
-                </a:solidFill>
-                <a:latin typeface="Arial"/>
-                <a:ea typeface="돋움" panose="020B0600000101010101" pitchFamily="50" charset="-127"/>
+              <a:t>And more</a:t>
+            </a:r>
+          </a:p>
+          <a:p>
+            <a:pPr lvl="1"/>
+            <a:r>
+              <a:rPr lang="en-US" altLang="ko-KR" dirty="0" smtClean="0">
+                <a:sym typeface="Wingdings" panose="05000000000000000000" pitchFamily="2" charset="2"/>
               </a:rPr>
-              <a:t>Theory</a:t>
-            </a:r>
-            <a:endParaRPr lang="ko-KR" altLang="en-US" sz="1200" dirty="0">
-              <a:solidFill>
-                <a:srgbClr val="292934"/>
-              </a:solidFill>
-              <a:latin typeface="Arial"/>
-              <a:ea typeface="돋움" panose="020B0600000101010101" pitchFamily="50" charset="-127"/>
-            </a:endParaRPr>
-          </a:p>
-        </p:txBody>
-      </p:sp>
-      <p:sp>
-        <p:nvSpPr>
-          <p:cNvPr id="3" name="TextBox 2"/>
-          <p:cNvSpPr txBox="1"/>
-          <p:nvPr/>
-        </p:nvSpPr>
-        <p:spPr>
-          <a:xfrm>
-            <a:off x="7452651" y="5450968"/>
-            <a:ext cx="2227061" cy="738664"/>
-          </a:xfrm>
-          <a:prstGeom prst="rect">
-            <a:avLst/>
-          </a:prstGeom>
-          <a:noFill/>
-        </p:spPr>
-        <p:txBody>
-          <a:bodyPr wrap="square" rtlCol="0">
-            <a:spAutoFit/>
-          </a:bodyPr>
-          <a:lstStyle/>
-          <a:p>
-            <a:r>
-              <a:rPr lang="en-US" altLang="ko-KR" sz="1400" dirty="0" smtClean="0"/>
-              <a:t>Direct understanding of nuclear force and </a:t>
-            </a:r>
-          </a:p>
-          <a:p>
-            <a:r>
-              <a:rPr lang="en-US" altLang="ko-KR" sz="1400" dirty="0" smtClean="0"/>
-              <a:t>nuclear structure/reaction</a:t>
-            </a:r>
-            <a:endParaRPr lang="ko-KR" altLang="en-US" sz="1400" dirty="0"/>
-          </a:p>
-        </p:txBody>
-      </p:sp>
-      <p:sp>
-        <p:nvSpPr>
-          <p:cNvPr id="9" name="TextBox 8"/>
-          <p:cNvSpPr txBox="1"/>
-          <p:nvPr/>
-        </p:nvSpPr>
-        <p:spPr>
-          <a:xfrm>
-            <a:off x="7494520" y="3272137"/>
-            <a:ext cx="2227061" cy="738664"/>
-          </a:xfrm>
-          <a:prstGeom prst="rect">
-            <a:avLst/>
-          </a:prstGeom>
-          <a:noFill/>
-        </p:spPr>
-        <p:txBody>
-          <a:bodyPr wrap="square" rtlCol="0">
-            <a:spAutoFit/>
-          </a:bodyPr>
-          <a:lstStyle/>
-          <a:p>
-            <a:r>
-              <a:rPr lang="en-US" altLang="ko-KR" sz="1400" dirty="0" smtClean="0"/>
-              <a:t>Ab initio </a:t>
-            </a:r>
-          </a:p>
-          <a:p>
-            <a:r>
-              <a:rPr lang="en-US" altLang="ko-KR" sz="1400" dirty="0" smtClean="0"/>
-              <a:t>= Start from nucleon-nucleon interaction</a:t>
-            </a:r>
-            <a:endParaRPr lang="ko-KR" altLang="en-US" sz="1400" dirty="0"/>
+              <a:t>With recent progress in ab-initio methods</a:t>
+            </a:r>
+          </a:p>
+          <a:p>
+            <a:pPr lvl="2"/>
+            <a:r>
+              <a:rPr lang="en-US" altLang="ko-KR" dirty="0" smtClean="0">
+                <a:sym typeface="Wingdings" panose="05000000000000000000" pitchFamily="2" charset="2"/>
+              </a:rPr>
+              <a:t>Binding energies for wide range of nuclei </a:t>
+            </a:r>
+          </a:p>
+          <a:p>
+            <a:pPr lvl="2"/>
+            <a:r>
+              <a:rPr lang="en-US" altLang="ko-KR" dirty="0" smtClean="0">
+                <a:sym typeface="Wingdings" panose="05000000000000000000" pitchFamily="2" charset="2"/>
+              </a:rPr>
+              <a:t>Some reaction calculation for light nuclei.</a:t>
+            </a:r>
+            <a:endParaRPr lang="ko-KR" altLang="en-US" dirty="0"/>
           </a:p>
         </p:txBody>
       </p:sp>
     </p:spTree>
     <p:extLst>
       <p:ext uri="{BB962C8B-B14F-4D97-AF65-F5344CB8AC3E}">
-        <p14:creationId xmlns:p14="http://schemas.microsoft.com/office/powerpoint/2010/main" val="1585180935"/>
-      </p:ext>
-    </p:extLst>
-  </p:cSld>
-  <p:clrMapOvr>
-    <a:masterClrMapping/>
-  </p:clrMapOvr>
-  <p:timing>
-    <p:tnLst>
-      <p:par>
-        <p:cTn id="1" dur="indefinite" restart="never" nodeType="tmRoot"/>
-      </p:par>
-    </p:tnLst>
-  </p:timing>
-</p:sld>
-</file>
-
-<file path=ppt/slides/slide30.xml><?xml version="1.0" encoding="utf-8"?>
-<p:sld xmlns:a="http://schemas.openxmlformats.org/drawingml/2006/main" xmlns:r="http://schemas.openxmlformats.org/officeDocument/2006/relationships" xmlns:p="http://schemas.openxmlformats.org/presentationml/2006/main">
-  <p:cSld>
-    <p:spTree>
-      <p:nvGrpSpPr>
-        <p:cNvPr id="1" name=""/>
-        <p:cNvGrpSpPr/>
-        <p:nvPr/>
-      </p:nvGrpSpPr>
-      <p:grpSpPr>
-        <a:xfrm>
-          <a:off x="0" y="0"/>
-          <a:ext cx="0" cy="0"/>
-          <a:chOff x="0" y="0"/>
-          <a:chExt cx="0" cy="0"/>
-        </a:xfrm>
-      </p:grpSpPr>
-      <p:sp>
-        <p:nvSpPr>
-          <p:cNvPr id="2" name="제목 1"/>
-          <p:cNvSpPr>
-            <a:spLocks noGrp="1"/>
-          </p:cNvSpPr>
-          <p:nvPr>
-            <p:ph type="title"/>
-          </p:nvPr>
-        </p:nvSpPr>
-        <p:spPr/>
-        <p:txBody>
-          <a:bodyPr/>
-          <a:lstStyle/>
-          <a:p>
-            <a:r>
-              <a:rPr lang="en-US" altLang="ko-KR" dirty="0" smtClean="0"/>
-              <a:t>Summary</a:t>
-            </a:r>
-            <a:endParaRPr lang="ko-KR" altLang="en-US" dirty="0"/>
-          </a:p>
-        </p:txBody>
-      </p:sp>
-      <p:sp>
-        <p:nvSpPr>
-          <p:cNvPr id="3" name="TextBox 2"/>
-          <p:cNvSpPr txBox="1"/>
-          <p:nvPr/>
-        </p:nvSpPr>
-        <p:spPr>
-          <a:xfrm>
-            <a:off x="668338" y="1699491"/>
-            <a:ext cx="8532812" cy="3863365"/>
-          </a:xfrm>
-          <a:prstGeom prst="rect">
-            <a:avLst/>
-          </a:prstGeom>
-          <a:noFill/>
-        </p:spPr>
-        <p:txBody>
-          <a:bodyPr wrap="square" rtlCol="0">
-            <a:spAutoFit/>
-          </a:bodyPr>
-          <a:lstStyle/>
-          <a:p>
-            <a:pPr marL="342900" indent="-342900">
-              <a:buFont typeface="Arial" panose="020B0604020202020204" pitchFamily="34" charset="0"/>
-              <a:buChar char="•"/>
-            </a:pPr>
-            <a:r>
-              <a:rPr lang="en-US" altLang="ko-KR" dirty="0" smtClean="0"/>
-              <a:t>Wave function matching method seems to be promising</a:t>
-            </a:r>
-          </a:p>
-          <a:p>
-            <a:pPr marL="821819" lvl="1" indent="-342900">
-              <a:buFont typeface="Arial" panose="020B0604020202020204" pitchFamily="34" charset="0"/>
-              <a:buChar char="•"/>
-            </a:pPr>
-            <a:r>
-              <a:rPr lang="en-US" altLang="ko-KR" dirty="0" smtClean="0"/>
-              <a:t>New method to improve the N3LO calculation of NLEFT</a:t>
-            </a:r>
-          </a:p>
-          <a:p>
-            <a:pPr marL="821819" lvl="1" indent="-342900">
-              <a:buFont typeface="Arial" panose="020B0604020202020204" pitchFamily="34" charset="0"/>
-              <a:buChar char="•"/>
-            </a:pPr>
-            <a:r>
-              <a:rPr lang="en-US" altLang="ko-KR" dirty="0" smtClean="0"/>
-              <a:t>Preliminary study shows promising results for wide range of observables</a:t>
-            </a:r>
-          </a:p>
-          <a:p>
-            <a:pPr marL="1300738" lvl="2" indent="-342900">
-              <a:buFont typeface="Arial" panose="020B0604020202020204" pitchFamily="34" charset="0"/>
-              <a:buChar char="•"/>
-            </a:pPr>
-            <a:r>
-              <a:rPr lang="en-US" altLang="ko-KR" dirty="0" smtClean="0"/>
-              <a:t>NN scattering</a:t>
-            </a:r>
-          </a:p>
-          <a:p>
-            <a:pPr marL="1300738" lvl="2" indent="-342900">
-              <a:buFont typeface="Arial" panose="020B0604020202020204" pitchFamily="34" charset="0"/>
-              <a:buChar char="•"/>
-            </a:pPr>
-            <a:r>
-              <a:rPr lang="en-US" altLang="ko-KR" dirty="0" smtClean="0"/>
-              <a:t>Binding energy (from 3H to 40Ca)</a:t>
-            </a:r>
-          </a:p>
-          <a:p>
-            <a:pPr marL="1300738" lvl="2" indent="-342900">
-              <a:buFont typeface="Arial" panose="020B0604020202020204" pitchFamily="34" charset="0"/>
-              <a:buChar char="•"/>
-            </a:pPr>
-            <a:r>
-              <a:rPr lang="en-US" altLang="ko-KR" dirty="0" smtClean="0"/>
-              <a:t>Symmetric Nuclear matter</a:t>
-            </a:r>
-          </a:p>
-          <a:p>
-            <a:pPr marL="1300738" lvl="2" indent="-342900">
-              <a:buFont typeface="Arial" panose="020B0604020202020204" pitchFamily="34" charset="0"/>
-              <a:buChar char="•"/>
-            </a:pPr>
-            <a:r>
-              <a:rPr lang="en-US" altLang="ko-KR" dirty="0" smtClean="0"/>
-              <a:t>Neutron matter</a:t>
-            </a:r>
-          </a:p>
-          <a:p>
-            <a:pPr marL="1300738" lvl="2" indent="-342900">
-              <a:buFont typeface="Arial" panose="020B0604020202020204" pitchFamily="34" charset="0"/>
-              <a:buChar char="•"/>
-            </a:pPr>
-            <a:r>
-              <a:rPr lang="en-US" altLang="ko-KR" dirty="0" smtClean="0"/>
-              <a:t>Dripline of Oxygen isotope.</a:t>
-            </a:r>
-          </a:p>
-          <a:p>
-            <a:pPr marL="1300738" lvl="2" indent="-342900">
-              <a:buFont typeface="Arial" panose="020B0604020202020204" pitchFamily="34" charset="0"/>
-              <a:buChar char="•"/>
-            </a:pPr>
-            <a:r>
-              <a:rPr lang="en-US" altLang="ko-KR" dirty="0" smtClean="0"/>
-              <a:t>Carbon excited states</a:t>
-            </a:r>
-          </a:p>
-          <a:p>
-            <a:pPr marL="342900" indent="-342900">
-              <a:buFont typeface="Arial" panose="020B0604020202020204" pitchFamily="34" charset="0"/>
-              <a:buChar char="•"/>
-            </a:pPr>
-            <a:r>
-              <a:rPr lang="en-US" altLang="ko-KR" dirty="0" smtClean="0"/>
-              <a:t>Further investigation on the finite volume effects is on-going. </a:t>
-            </a:r>
-          </a:p>
-          <a:p>
-            <a:pPr marL="342900" indent="-342900">
-              <a:buFont typeface="Arial" panose="020B0604020202020204" pitchFamily="34" charset="0"/>
-              <a:buChar char="•"/>
-            </a:pPr>
-            <a:r>
-              <a:rPr lang="en-US" altLang="ko-KR" dirty="0" smtClean="0"/>
-              <a:t>Also, Carbon isotopes, odd Oxygen isotopes, Cluster structure, excited states. </a:t>
-            </a:r>
-            <a:endParaRPr lang="ko-KR" altLang="en-US" dirty="0"/>
-          </a:p>
-        </p:txBody>
-      </p:sp>
-    </p:spTree>
-    <p:extLst>
-      <p:ext uri="{BB962C8B-B14F-4D97-AF65-F5344CB8AC3E}">
-        <p14:creationId xmlns:p14="http://schemas.microsoft.com/office/powerpoint/2010/main" val="855818657"/>
+        <p14:creationId xmlns:p14="http://schemas.microsoft.com/office/powerpoint/2010/main" val="420845765"/>
       </p:ext>
     </p:extLst>
   </p:cSld>
@@ -22084,193 +21880,6 @@
           <a:p>
             <a:r>
               <a:rPr lang="en-US" altLang="ko-KR" dirty="0" smtClean="0"/>
-              <a:t>Non-perturbative many-body problem</a:t>
-            </a:r>
-            <a:endParaRPr lang="ko-KR" altLang="en-US" dirty="0"/>
-          </a:p>
-        </p:txBody>
-      </p:sp>
-      <p:sp>
-        <p:nvSpPr>
-          <p:cNvPr id="3" name="내용 개체 틀 2"/>
-          <p:cNvSpPr>
-            <a:spLocks noGrp="1"/>
-          </p:cNvSpPr>
-          <p:nvPr>
-            <p:ph idx="1"/>
-          </p:nvPr>
-        </p:nvSpPr>
-        <p:spPr/>
-        <p:txBody>
-          <a:bodyPr/>
-          <a:lstStyle/>
-          <a:p>
-            <a:r>
-              <a:rPr lang="en-US" altLang="ko-KR" dirty="0" smtClean="0">
-                <a:sym typeface="Wingdings" panose="05000000000000000000" pitchFamily="2" charset="2"/>
-              </a:rPr>
-              <a:t>Nuclear many body problem</a:t>
-            </a:r>
-          </a:p>
-          <a:p>
-            <a:pPr lvl="1"/>
-            <a:r>
-              <a:rPr lang="en-US" altLang="ko-KR" dirty="0" smtClean="0">
-                <a:sym typeface="Wingdings" panose="05000000000000000000" pitchFamily="2" charset="2"/>
-              </a:rPr>
-              <a:t>Requires Non-perturbative method.</a:t>
-            </a:r>
-          </a:p>
-          <a:p>
-            <a:pPr lvl="1"/>
-            <a:r>
-              <a:rPr lang="en-US" altLang="ko-KR" dirty="0" smtClean="0">
-                <a:sym typeface="Wingdings" panose="05000000000000000000" pitchFamily="2" charset="2"/>
-              </a:rPr>
-              <a:t>Ab-initio nuclear many body methods</a:t>
-            </a:r>
-          </a:p>
-          <a:p>
-            <a:pPr lvl="2"/>
-            <a:r>
-              <a:rPr lang="en-US" altLang="ko-KR" dirty="0" smtClean="0">
-                <a:sym typeface="Wingdings" panose="05000000000000000000" pitchFamily="2" charset="2"/>
-              </a:rPr>
-              <a:t>Greens function Monte Carlo(GFMC)</a:t>
-            </a:r>
-          </a:p>
-          <a:p>
-            <a:pPr lvl="2"/>
-            <a:r>
-              <a:rPr lang="en-US" altLang="ko-KR" dirty="0" smtClean="0">
-                <a:sym typeface="Wingdings" panose="05000000000000000000" pitchFamily="2" charset="2"/>
-              </a:rPr>
-              <a:t>No-core shell model(NCSM)</a:t>
-            </a:r>
-          </a:p>
-          <a:p>
-            <a:pPr lvl="2"/>
-            <a:r>
-              <a:rPr lang="en-US" altLang="ko-KR" dirty="0" smtClean="0">
-                <a:sym typeface="Wingdings" panose="05000000000000000000" pitchFamily="2" charset="2"/>
-              </a:rPr>
-              <a:t>Coupled Cluster (CC)</a:t>
-            </a:r>
-          </a:p>
-          <a:p>
-            <a:pPr lvl="2"/>
-            <a:r>
-              <a:rPr lang="en-US" altLang="ko-KR" dirty="0" smtClean="0">
-                <a:sym typeface="Wingdings" panose="05000000000000000000" pitchFamily="2" charset="2"/>
-              </a:rPr>
-              <a:t>IM-SRG, VS-SRG </a:t>
-            </a:r>
-          </a:p>
-          <a:p>
-            <a:pPr lvl="2"/>
-            <a:r>
-              <a:rPr lang="en-US" altLang="ko-KR" dirty="0" smtClean="0">
-                <a:solidFill>
-                  <a:srgbClr val="FF0000"/>
-                </a:solidFill>
-                <a:sym typeface="Wingdings" panose="05000000000000000000" pitchFamily="2" charset="2"/>
-              </a:rPr>
-              <a:t>Nuclear Lattice Effective Field Theory(NLEFT)</a:t>
-            </a:r>
-          </a:p>
-          <a:p>
-            <a:pPr lvl="2"/>
-            <a:r>
-              <a:rPr lang="en-US" altLang="ko-KR" dirty="0" smtClean="0">
-                <a:sym typeface="Wingdings" panose="05000000000000000000" pitchFamily="2" charset="2"/>
-              </a:rPr>
-              <a:t>And more</a:t>
-            </a:r>
-          </a:p>
-          <a:p>
-            <a:pPr lvl="1"/>
-            <a:r>
-              <a:rPr lang="en-US" altLang="ko-KR" dirty="0" smtClean="0">
-                <a:sym typeface="Wingdings" panose="05000000000000000000" pitchFamily="2" charset="2"/>
-              </a:rPr>
-              <a:t>With recent progress in ab-initio methods</a:t>
-            </a:r>
-          </a:p>
-          <a:p>
-            <a:pPr lvl="2"/>
-            <a:r>
-              <a:rPr lang="en-US" altLang="ko-KR" dirty="0" smtClean="0">
-                <a:sym typeface="Wingdings" panose="05000000000000000000" pitchFamily="2" charset="2"/>
-              </a:rPr>
-              <a:t>Binding energies for wide range of nuclei </a:t>
-            </a:r>
-          </a:p>
-          <a:p>
-            <a:pPr lvl="2"/>
-            <a:r>
-              <a:rPr lang="en-US" altLang="ko-KR" dirty="0" smtClean="0">
-                <a:sym typeface="Wingdings" panose="05000000000000000000" pitchFamily="2" charset="2"/>
-              </a:rPr>
-              <a:t>Some reaction calculation for light nuclei.</a:t>
-            </a:r>
-            <a:endParaRPr lang="ko-KR" altLang="en-US" dirty="0"/>
-          </a:p>
-        </p:txBody>
-      </p:sp>
-    </p:spTree>
-    <p:extLst>
-      <p:ext uri="{BB962C8B-B14F-4D97-AF65-F5344CB8AC3E}">
-        <p14:creationId xmlns:p14="http://schemas.microsoft.com/office/powerpoint/2010/main" val="420845765"/>
-      </p:ext>
-    </p:extLst>
-  </p:cSld>
-  <p:clrMapOvr>
-    <a:masterClrMapping/>
-  </p:clrMapOvr>
-  <p:timing>
-    <p:tnLst>
-      <p:par>
-        <p:cTn id="1" dur="indefinite" restart="never" nodeType="tmRoot"/>
-      </p:par>
-    </p:tnLst>
-  </p:timing>
-</p:sld>
-</file>
-
-<file path=ppt/slides/slide5.xml><?xml version="1.0" encoding="utf-8"?>
-<p:sld xmlns:a="http://schemas.openxmlformats.org/drawingml/2006/main" xmlns:r="http://schemas.openxmlformats.org/officeDocument/2006/relationships" xmlns:p="http://schemas.openxmlformats.org/presentationml/2006/main">
-  <p:cSld>
-    <p:spTree>
-      <p:nvGrpSpPr>
-        <p:cNvPr id="1" name=""/>
-        <p:cNvGrpSpPr/>
-        <p:nvPr/>
-      </p:nvGrpSpPr>
-      <p:grpSpPr>
-        <a:xfrm>
-          <a:off x="0" y="0"/>
-          <a:ext cx="0" cy="0"/>
-          <a:chOff x="0" y="0"/>
-          <a:chExt cx="0" cy="0"/>
-        </a:xfrm>
-      </p:grpSpPr>
-      <p:sp>
-        <p:nvSpPr>
-          <p:cNvPr id="2" name="제목 1"/>
-          <p:cNvSpPr>
-            <a:spLocks noGrp="1"/>
-          </p:cNvSpPr>
-          <p:nvPr>
-            <p:ph type="title"/>
-          </p:nvPr>
-        </p:nvSpPr>
-        <p:spPr/>
-        <p:txBody>
-          <a:bodyPr/>
-          <a:lstStyle/>
-          <a:p>
-            <a:r>
-              <a:rPr lang="en-US" altLang="ko-KR" dirty="0" smtClean="0"/>
               <a:t>Oxygen isotopes</a:t>
             </a:r>
             <a:endParaRPr lang="ko-KR" altLang="en-US" dirty="0"/>
@@ -22315,8 +21924,8 @@
         </p:nvSpPr>
         <p:spPr>
           <a:xfrm flipH="1">
-            <a:off x="1106250" y="5677767"/>
-            <a:ext cx="5612852" cy="962571"/>
+            <a:off x="1106249" y="5677767"/>
+            <a:ext cx="6701319" cy="672492"/>
           </a:xfrm>
           <a:prstGeom prst="rect">
             <a:avLst/>
@@ -22331,7 +21940,7 @@
           <a:p>
             <a:r>
               <a:rPr lang="en-US" altLang="ko-KR" dirty="0" smtClean="0"/>
-              <a:t>Can we explain the dripline of Oxygen isotopes?</a:t>
+              <a:t>Can we explain the dripline of Oxygen isotopes in NLEFT?</a:t>
             </a:r>
           </a:p>
           <a:p>
@@ -22339,13 +21948,6 @@
               <a:rPr lang="en-US" altLang="ko-KR" dirty="0" smtClean="0"/>
               <a:t>Role of 3-body force?  </a:t>
             </a:r>
-          </a:p>
-          <a:p>
-            <a:r>
-              <a:rPr lang="en-US" altLang="ko-KR" dirty="0" smtClean="0"/>
-              <a:t>In NLEFT?</a:t>
-            </a:r>
-            <a:endParaRPr lang="ko-KR" altLang="en-US" dirty="0"/>
           </a:p>
         </p:txBody>
       </p:sp>
@@ -22369,7 +21971,7 @@
 </p:sld>
 </file>
 
-<file path=ppt/slides/slide6.xml><?xml version="1.0" encoding="utf-8"?>
+<file path=ppt/slides/slide5.xml><?xml version="1.0" encoding="utf-8"?>
 <p:sld xmlns:a="http://schemas.openxmlformats.org/drawingml/2006/main" xmlns:r="http://schemas.openxmlformats.org/officeDocument/2006/relationships" xmlns:p="http://schemas.openxmlformats.org/presentationml/2006/main">
   <p:cSld>
     <p:spTree>
@@ -22614,7 +22216,7 @@
 </p:sld>
 </file>
 
-<file path=ppt/slides/slide7.xml><?xml version="1.0" encoding="utf-8"?>
+<file path=ppt/slides/slide6.xml><?xml version="1.0" encoding="utf-8"?>
 <p:sld xmlns:a="http://schemas.openxmlformats.org/drawingml/2006/main" xmlns:r="http://schemas.openxmlformats.org/officeDocument/2006/relationships" xmlns:p="http://schemas.openxmlformats.org/presentationml/2006/main">
   <p:cSld>
     <p:spTree>
@@ -22754,7 +22356,7 @@
 </p:sld>
 </file>
 
-<file path=ppt/slides/slide8.xml><?xml version="1.0" encoding="utf-8"?>
+<file path=ppt/slides/slide7.xml><?xml version="1.0" encoding="utf-8"?>
 <p:sld xmlns:a="http://schemas.openxmlformats.org/drawingml/2006/main" xmlns:r="http://schemas.openxmlformats.org/officeDocument/2006/relationships" xmlns:p="http://schemas.openxmlformats.org/presentationml/2006/main">
   <p:cSld>
     <p:spTree>
@@ -22887,7 +22489,7 @@
 </p:sld>
 </file>
 
-<file path=ppt/slides/slide9.xml><?xml version="1.0" encoding="utf-8"?>
+<file path=ppt/slides/slide8.xml><?xml version="1.0" encoding="utf-8"?>
 <p:sld xmlns:a="http://schemas.openxmlformats.org/drawingml/2006/main" xmlns:r="http://schemas.openxmlformats.org/officeDocument/2006/relationships" xmlns:p="http://schemas.openxmlformats.org/presentationml/2006/main">
   <p:cSld>
     <p:spTree>
@@ -23071,6 +22673,228 @@
     <p:extLst>
       <p:ext uri="{BB962C8B-B14F-4D97-AF65-F5344CB8AC3E}">
         <p14:creationId xmlns:p14="http://schemas.microsoft.com/office/powerpoint/2010/main" val="3950012657"/>
+      </p:ext>
+    </p:extLst>
+  </p:cSld>
+  <p:clrMapOvr>
+    <a:masterClrMapping/>
+  </p:clrMapOvr>
+  <p:timing>
+    <p:tnLst>
+      <p:par>
+        <p:cTn id="1" dur="indefinite" restart="never" nodeType="tmRoot"/>
+      </p:par>
+    </p:tnLst>
+  </p:timing>
+</p:sld>
+</file>
+
+<file path=ppt/slides/slide9.xml><?xml version="1.0" encoding="utf-8"?>
+<p:sld xmlns:a="http://schemas.openxmlformats.org/drawingml/2006/main" xmlns:r="http://schemas.openxmlformats.org/officeDocument/2006/relationships" xmlns:p="http://schemas.openxmlformats.org/presentationml/2006/main">
+  <p:cSld>
+    <p:spTree>
+      <p:nvGrpSpPr>
+        <p:cNvPr id="1" name=""/>
+        <p:cNvGrpSpPr/>
+        <p:nvPr/>
+      </p:nvGrpSpPr>
+      <p:grpSpPr>
+        <a:xfrm>
+          <a:off x="0" y="0"/>
+          <a:ext cx="0" cy="0"/>
+          <a:chOff x="0" y="0"/>
+          <a:chExt cx="0" cy="0"/>
+        </a:xfrm>
+      </p:grpSpPr>
+      <p:sp>
+        <p:nvSpPr>
+          <p:cNvPr id="2" name="제목 1"/>
+          <p:cNvSpPr>
+            <a:spLocks noGrp="1"/>
+          </p:cNvSpPr>
+          <p:nvPr>
+            <p:ph type="title"/>
+          </p:nvPr>
+        </p:nvSpPr>
+        <p:spPr/>
+        <p:txBody>
+          <a:bodyPr/>
+          <a:lstStyle/>
+          <a:p>
+            <a:r>
+              <a:rPr lang="en-US" altLang="ko-KR" dirty="0" smtClean="0"/>
+              <a:t>Auxiliary Field Monte Carlo </a:t>
+            </a:r>
+            <a:endParaRPr lang="ko-KR" altLang="en-US" dirty="0"/>
+          </a:p>
+        </p:txBody>
+      </p:sp>
+      <p:pic>
+        <p:nvPicPr>
+          <p:cNvPr id="17410" name="Picture 2"/>
+          <p:cNvPicPr>
+            <a:picLocks noChangeAspect="1" noChangeArrowheads="1"/>
+          </p:cNvPicPr>
+          <p:nvPr/>
+        </p:nvPicPr>
+        <p:blipFill>
+          <a:blip r:embed="rId2">
+            <a:extLst>
+              <a:ext uri="{28A0092B-C50C-407E-A947-70E740481C1C}">
+                <a14:useLocalDpi xmlns:a14="http://schemas.microsoft.com/office/drawing/2010/main" val="0"/>
+              </a:ext>
+            </a:extLst>
+          </a:blip>
+          <a:srcRect/>
+          <a:stretch>
+            <a:fillRect/>
+          </a:stretch>
+        </p:blipFill>
+        <p:spPr bwMode="auto">
+          <a:xfrm>
+            <a:off x="2580056" y="1704976"/>
+            <a:ext cx="4114800" cy="1402773"/>
+          </a:xfrm>
+          <a:prstGeom prst="rect">
+            <a:avLst/>
+          </a:prstGeom>
+          <a:noFill/>
+          <a:ln>
+            <a:noFill/>
+          </a:ln>
+          <a:extLst>
+            <a:ext uri="{909E8E84-426E-40DD-AFC4-6F175D3DCCD1}">
+              <a14:hiddenFill xmlns:a14="http://schemas.microsoft.com/office/drawing/2010/main">
+                <a:solidFill>
+                  <a:schemeClr val="accent1"/>
+                </a:solidFill>
+              </a14:hiddenFill>
+            </a:ext>
+            <a:ext uri="{91240B29-F687-4F45-9708-019B960494DF}">
+              <a14:hiddenLine xmlns:a14="http://schemas.microsoft.com/office/drawing/2010/main" w="9525">
+                <a:solidFill>
+                  <a:schemeClr val="tx1"/>
+                </a:solidFill>
+                <a:miter lim="800000"/>
+                <a:headEnd/>
+                <a:tailEnd/>
+              </a14:hiddenLine>
+            </a:ext>
+          </a:extLst>
+        </p:spPr>
+      </p:pic>
+      <p:pic>
+        <p:nvPicPr>
+          <p:cNvPr id="17411" name="Picture 3"/>
+          <p:cNvPicPr>
+            <a:picLocks noChangeAspect="1" noChangeArrowheads="1"/>
+          </p:cNvPicPr>
+          <p:nvPr/>
+        </p:nvPicPr>
+        <p:blipFill>
+          <a:blip r:embed="rId3">
+            <a:extLst>
+              <a:ext uri="{28A0092B-C50C-407E-A947-70E740481C1C}">
+                <a14:useLocalDpi xmlns:a14="http://schemas.microsoft.com/office/drawing/2010/main" val="0"/>
+              </a:ext>
+            </a:extLst>
+          </a:blip>
+          <a:srcRect/>
+          <a:stretch>
+            <a:fillRect/>
+          </a:stretch>
+        </p:blipFill>
+        <p:spPr bwMode="auto">
+          <a:xfrm>
+            <a:off x="5128603" y="2945824"/>
+            <a:ext cx="4335094" cy="3533774"/>
+          </a:xfrm>
+          <a:prstGeom prst="rect">
+            <a:avLst/>
+          </a:prstGeom>
+          <a:noFill/>
+          <a:ln>
+            <a:noFill/>
+          </a:ln>
+          <a:extLst>
+            <a:ext uri="{909E8E84-426E-40DD-AFC4-6F175D3DCCD1}">
+              <a14:hiddenFill xmlns:a14="http://schemas.microsoft.com/office/drawing/2010/main">
+                <a:solidFill>
+                  <a:schemeClr val="accent1"/>
+                </a:solidFill>
+              </a14:hiddenFill>
+            </a:ext>
+            <a:ext uri="{91240B29-F687-4F45-9708-019B960494DF}">
+              <a14:hiddenLine xmlns:a14="http://schemas.microsoft.com/office/drawing/2010/main" w="9525">
+                <a:solidFill>
+                  <a:schemeClr val="tx1"/>
+                </a:solidFill>
+                <a:miter lim="800000"/>
+                <a:headEnd/>
+                <a:tailEnd/>
+              </a14:hiddenLine>
+            </a:ext>
+          </a:extLst>
+        </p:spPr>
+      </p:pic>
+      <p:pic>
+        <p:nvPicPr>
+          <p:cNvPr id="6" name="Picture 2"/>
+          <p:cNvPicPr>
+            <a:picLocks noChangeAspect="1" noChangeArrowheads="1"/>
+          </p:cNvPicPr>
+          <p:nvPr/>
+        </p:nvPicPr>
+        <p:blipFill>
+          <a:blip r:embed="rId4">
+            <a:extLst>
+              <a:ext uri="{28A0092B-C50C-407E-A947-70E740481C1C}">
+                <a14:useLocalDpi xmlns:a14="http://schemas.microsoft.com/office/drawing/2010/main" val="0"/>
+              </a:ext>
+            </a:extLst>
+          </a:blip>
+          <a:srcRect/>
+          <a:stretch>
+            <a:fillRect/>
+          </a:stretch>
+        </p:blipFill>
+        <p:spPr bwMode="auto">
+          <a:xfrm>
+            <a:off x="914400" y="3107748"/>
+            <a:ext cx="4083862" cy="3352800"/>
+          </a:xfrm>
+          <a:prstGeom prst="rect">
+            <a:avLst/>
+          </a:prstGeom>
+          <a:noFill/>
+          <a:ln>
+            <a:noFill/>
+          </a:ln>
+          <a:extLst>
+            <a:ext uri="{909E8E84-426E-40DD-AFC4-6F175D3DCCD1}">
+              <a14:hiddenFill xmlns:a14="http://schemas.microsoft.com/office/drawing/2010/main">
+                <a:solidFill>
+                  <a:schemeClr val="accent1"/>
+                </a:solidFill>
+              </a14:hiddenFill>
+            </a:ext>
+            <a:ext uri="{91240B29-F687-4F45-9708-019B960494DF}">
+              <a14:hiddenLine xmlns:a14="http://schemas.microsoft.com/office/drawing/2010/main" w="9525">
+                <a:solidFill>
+                  <a:schemeClr val="tx1"/>
+                </a:solidFill>
+                <a:miter lim="800000"/>
+                <a:headEnd/>
+                <a:tailEnd/>
+              </a14:hiddenLine>
+            </a:ext>
+          </a:extLst>
+        </p:spPr>
+      </p:pic>
+    </p:spTree>
+    <p:extLst>
+      <p:ext uri="{BB962C8B-B14F-4D97-AF65-F5344CB8AC3E}">
+        <p14:creationId xmlns:p14="http://schemas.microsoft.com/office/powerpoint/2010/main" val="3359985493"/>
       </p:ext>
     </p:extLst>
   </p:cSld>
